--- a/report/figures/flowchart.pptx
+++ b/report/figures/flowchart.pptx
@@ -3470,7 +3470,7 @@
         </p:nvSpPr>
         <p:spPr>
           <a:xfrm>
-            <a:off x="4302350" y="2803728"/>
+            <a:off x="7230107" y="1570139"/>
             <a:ext cx="2173947" cy="914400"/>
           </a:xfrm>
           <a:prstGeom prst="roundRect">
@@ -3527,7 +3527,7 @@
         </p:nvSpPr>
         <p:spPr>
           <a:xfrm>
-            <a:off x="4302351" y="4029255"/>
+            <a:off x="7230106" y="2918412"/>
             <a:ext cx="2173947" cy="914400"/>
           </a:xfrm>
           <a:prstGeom prst="roundRect">
@@ -3584,7 +3584,7 @@
         </p:nvSpPr>
         <p:spPr>
           <a:xfrm>
-            <a:off x="4302349" y="5282268"/>
+            <a:off x="4302352" y="2918412"/>
             <a:ext cx="2173947" cy="914400"/>
           </a:xfrm>
           <a:prstGeom prst="roundRect">
@@ -3622,7 +3622,7 @@
             <a:pPr algn="ctr"/>
             <a:r>
               <a:rPr lang="en-GB" dirty="0"/>
-              <a:t>Adapt adaptation pathway</a:t>
+              <a:t>Update adaptation pathway</a:t>
             </a:r>
           </a:p>
         </p:txBody>
@@ -3684,15 +3684,15 @@
           </p:cNvPr>
           <p:cNvCxnSpPr>
             <a:cxnSpLocks/>
-            <a:stCxn id="6" idx="2"/>
-            <a:endCxn id="7" idx="0"/>
+            <a:stCxn id="6" idx="3"/>
+            <a:endCxn id="7" idx="1"/>
           </p:cNvCxnSpPr>
           <p:nvPr/>
         </p:nvCxnSpPr>
         <p:spPr>
-          <a:xfrm flipH="1">
-            <a:off x="5389324" y="2490132"/>
-            <a:ext cx="2" cy="313596"/>
+          <a:xfrm flipV="1">
+            <a:off x="6476299" y="2027339"/>
+            <a:ext cx="753808" cy="5593"/>
           </a:xfrm>
           <a:prstGeom prst="straightConnector1">
             <a:avLst/>
@@ -3736,9 +3736,9 @@
           <p:nvPr/>
         </p:nvCxnSpPr>
         <p:spPr>
-          <a:xfrm>
-            <a:off x="5389324" y="3718128"/>
-            <a:ext cx="1" cy="311127"/>
+          <a:xfrm flipH="1">
+            <a:off x="8317080" y="2484539"/>
+            <a:ext cx="1" cy="433873"/>
           </a:xfrm>
           <a:prstGeom prst="straightConnector1">
             <a:avLst/>
@@ -3776,15 +3776,15 @@
           </p:cNvPr>
           <p:cNvCxnSpPr>
             <a:cxnSpLocks/>
-            <a:stCxn id="9" idx="2"/>
-            <a:endCxn id="10" idx="0"/>
+            <a:stCxn id="9" idx="1"/>
+            <a:endCxn id="10" idx="3"/>
           </p:cNvCxnSpPr>
           <p:nvPr/>
         </p:nvCxnSpPr>
         <p:spPr>
           <a:xfrm flipH="1">
-            <a:off x="5389323" y="4943655"/>
-            <a:ext cx="2" cy="338613"/>
+            <a:off x="6476299" y="3375612"/>
+            <a:ext cx="753807" cy="0"/>
           </a:xfrm>
           <a:prstGeom prst="straightConnector1">
             <a:avLst/>
@@ -3873,7 +3873,7 @@
         <p:spPr>
           <a:xfrm>
             <a:off x="3347207" y="2032932"/>
-            <a:ext cx="0" cy="3706536"/>
+            <a:ext cx="8390" cy="1342680"/>
           </a:xfrm>
           <a:prstGeom prst="line">
             <a:avLst/>
@@ -3916,7 +3916,7 @@
         </p:nvCxnSpPr>
         <p:spPr>
           <a:xfrm>
-            <a:off x="3355594" y="5739468"/>
+            <a:off x="3355597" y="3375612"/>
             <a:ext cx="946755" cy="0"/>
           </a:xfrm>
           <a:prstGeom prst="line">

--- a/report/figures/flowchart.pptx
+++ b/report/figures/flowchart.pptx
@@ -6,6 +6,7 @@
   </p:sldMasterIdLst>
   <p:sldIdLst>
     <p:sldId id="256" r:id="rId2"/>
+    <p:sldId id="257" r:id="rId3"/>
   </p:sldIdLst>
   <p:sldSz cx="12192000" cy="6858000"/>
   <p:notesSz cx="6858000" cy="9144000"/>
@@ -104,6 +105,11 @@
       </a:defRPr>
     </a:lvl9pPr>
   </p:defaultTextStyle>
+  <p:extLst>
+    <p:ext uri="{EFAFB233-063F-42B5-8137-9DF3F51BA10A}">
+      <p15:sldGuideLst xmlns:p15="http://schemas.microsoft.com/office/powerpoint/2012/main"/>
+    </p:ext>
+  </p:extLst>
 </p:presentation>
 </file>
 
@@ -256,7 +262,7 @@
           <a:p>
             <a:fld id="{D918C84F-5000-4BD5-98FC-FEF3364E41FE}" type="datetimeFigureOut">
               <a:rPr lang="en-GB" smtClean="0"/>
-              <a:t>01/06/2021</a:t>
+              <a:t>03/06/2021</a:t>
             </a:fld>
             <a:endParaRPr lang="en-GB"/>
           </a:p>
@@ -456,7 +462,7 @@
           <a:p>
             <a:fld id="{D918C84F-5000-4BD5-98FC-FEF3364E41FE}" type="datetimeFigureOut">
               <a:rPr lang="en-GB" smtClean="0"/>
-              <a:t>01/06/2021</a:t>
+              <a:t>03/06/2021</a:t>
             </a:fld>
             <a:endParaRPr lang="en-GB"/>
           </a:p>
@@ -666,7 +672,7 @@
           <a:p>
             <a:fld id="{D918C84F-5000-4BD5-98FC-FEF3364E41FE}" type="datetimeFigureOut">
               <a:rPr lang="en-GB" smtClean="0"/>
-              <a:t>01/06/2021</a:t>
+              <a:t>03/06/2021</a:t>
             </a:fld>
             <a:endParaRPr lang="en-GB"/>
           </a:p>
@@ -866,7 +872,7 @@
           <a:p>
             <a:fld id="{D918C84F-5000-4BD5-98FC-FEF3364E41FE}" type="datetimeFigureOut">
               <a:rPr lang="en-GB" smtClean="0"/>
-              <a:t>01/06/2021</a:t>
+              <a:t>03/06/2021</a:t>
             </a:fld>
             <a:endParaRPr lang="en-GB"/>
           </a:p>
@@ -1142,7 +1148,7 @@
           <a:p>
             <a:fld id="{D918C84F-5000-4BD5-98FC-FEF3364E41FE}" type="datetimeFigureOut">
               <a:rPr lang="en-GB" smtClean="0"/>
-              <a:t>01/06/2021</a:t>
+              <a:t>03/06/2021</a:t>
             </a:fld>
             <a:endParaRPr lang="en-GB"/>
           </a:p>
@@ -1410,7 +1416,7 @@
           <a:p>
             <a:fld id="{D918C84F-5000-4BD5-98FC-FEF3364E41FE}" type="datetimeFigureOut">
               <a:rPr lang="en-GB" smtClean="0"/>
-              <a:t>01/06/2021</a:t>
+              <a:t>03/06/2021</a:t>
             </a:fld>
             <a:endParaRPr lang="en-GB"/>
           </a:p>
@@ -1825,7 +1831,7 @@
           <a:p>
             <a:fld id="{D918C84F-5000-4BD5-98FC-FEF3364E41FE}" type="datetimeFigureOut">
               <a:rPr lang="en-GB" smtClean="0"/>
-              <a:t>01/06/2021</a:t>
+              <a:t>03/06/2021</a:t>
             </a:fld>
             <a:endParaRPr lang="en-GB"/>
           </a:p>
@@ -1967,7 +1973,7 @@
           <a:p>
             <a:fld id="{D918C84F-5000-4BD5-98FC-FEF3364E41FE}" type="datetimeFigureOut">
               <a:rPr lang="en-GB" smtClean="0"/>
-              <a:t>01/06/2021</a:t>
+              <a:t>03/06/2021</a:t>
             </a:fld>
             <a:endParaRPr lang="en-GB"/>
           </a:p>
@@ -2080,7 +2086,7 @@
           <a:p>
             <a:fld id="{D918C84F-5000-4BD5-98FC-FEF3364E41FE}" type="datetimeFigureOut">
               <a:rPr lang="en-GB" smtClean="0"/>
-              <a:t>01/06/2021</a:t>
+              <a:t>03/06/2021</a:t>
             </a:fld>
             <a:endParaRPr lang="en-GB"/>
           </a:p>
@@ -2393,7 +2399,7 @@
           <a:p>
             <a:fld id="{D918C84F-5000-4BD5-98FC-FEF3364E41FE}" type="datetimeFigureOut">
               <a:rPr lang="en-GB" smtClean="0"/>
-              <a:t>01/06/2021</a:t>
+              <a:t>03/06/2021</a:t>
             </a:fld>
             <a:endParaRPr lang="en-GB"/>
           </a:p>
@@ -2682,7 +2688,7 @@
           <a:p>
             <a:fld id="{D918C84F-5000-4BD5-98FC-FEF3364E41FE}" type="datetimeFigureOut">
               <a:rPr lang="en-GB" smtClean="0"/>
-              <a:t>01/06/2021</a:t>
+              <a:t>03/06/2021</a:t>
             </a:fld>
             <a:endParaRPr lang="en-GB"/>
           </a:p>
@@ -2925,7 +2931,7 @@
           <a:p>
             <a:fld id="{D918C84F-5000-4BD5-98FC-FEF3364E41FE}" type="datetimeFigureOut">
               <a:rPr lang="en-GB" smtClean="0"/>
-              <a:t>01/06/2021</a:t>
+              <a:t>03/06/2021</a:t>
             </a:fld>
             <a:endParaRPr lang="en-GB"/>
           </a:p>
@@ -3956,6 +3962,654 @@
 </p:sld>
 </file>
 
+<file path=ppt/slides/slide2.xml><?xml version="1.0" encoding="utf-8"?>
+<p:sld xmlns:a="http://schemas.openxmlformats.org/drawingml/2006/main" xmlns:r="http://schemas.openxmlformats.org/officeDocument/2006/relationships" xmlns:p="http://schemas.openxmlformats.org/presentationml/2006/main">
+  <p:cSld>
+    <p:spTree>
+      <p:nvGrpSpPr>
+        <p:cNvPr id="1" name=""/>
+        <p:cNvGrpSpPr/>
+        <p:nvPr/>
+      </p:nvGrpSpPr>
+      <p:grpSpPr>
+        <a:xfrm>
+          <a:off x="0" y="0"/>
+          <a:ext cx="0" cy="0"/>
+          <a:chOff x="0" y="0"/>
+          <a:chExt cx="0" cy="0"/>
+        </a:xfrm>
+      </p:grpSpPr>
+      <p:sp>
+        <p:nvSpPr>
+          <p:cNvPr id="4" name="Rectangle: Rounded Corners 3">
+            <a:extLst>
+              <a:ext uri="{FF2B5EF4-FFF2-40B4-BE49-F238E27FC236}">
+                <a16:creationId xmlns:a16="http://schemas.microsoft.com/office/drawing/2014/main" id="{6ADB3860-094B-4BC1-A2AE-A7A437453186}"/>
+              </a:ext>
+            </a:extLst>
+          </p:cNvPr>
+          <p:cNvSpPr/>
+          <p:nvPr/>
+        </p:nvSpPr>
+        <p:spPr>
+          <a:xfrm>
+            <a:off x="4302352" y="297972"/>
+            <a:ext cx="2173947" cy="914400"/>
+          </a:xfrm>
+          <a:prstGeom prst="roundRect">
+            <a:avLst/>
+          </a:prstGeom>
+          <a:solidFill>
+            <a:srgbClr val="FF99FF"/>
+          </a:solidFill>
+          <a:ln>
+            <a:solidFill>
+              <a:srgbClr val="FF66FF"/>
+            </a:solidFill>
+          </a:ln>
+        </p:spPr>
+        <p:style>
+          <a:lnRef idx="2">
+            <a:schemeClr val="accent1">
+              <a:shade val="50000"/>
+            </a:schemeClr>
+          </a:lnRef>
+          <a:fillRef idx="1">
+            <a:schemeClr val="accent1"/>
+          </a:fillRef>
+          <a:effectRef idx="0">
+            <a:schemeClr val="accent1"/>
+          </a:effectRef>
+          <a:fontRef idx="minor">
+            <a:schemeClr val="lt1"/>
+          </a:fontRef>
+        </p:style>
+        <p:txBody>
+          <a:bodyPr rtlCol="0" anchor="ctr"/>
+          <a:lstStyle/>
+          <a:p>
+            <a:pPr algn="ctr"/>
+            <a:r>
+              <a:rPr lang="en-GB" dirty="0"/>
+              <a:t>Generate scenarios</a:t>
+            </a:r>
+          </a:p>
+        </p:txBody>
+      </p:sp>
+      <p:sp>
+        <p:nvSpPr>
+          <p:cNvPr id="6" name="Rectangle: Rounded Corners 5">
+            <a:extLst>
+              <a:ext uri="{FF2B5EF4-FFF2-40B4-BE49-F238E27FC236}">
+                <a16:creationId xmlns:a16="http://schemas.microsoft.com/office/drawing/2014/main" id="{5B4DB860-75CB-422C-B0B8-017D4AB426E7}"/>
+              </a:ext>
+            </a:extLst>
+          </p:cNvPr>
+          <p:cNvSpPr/>
+          <p:nvPr/>
+        </p:nvSpPr>
+        <p:spPr>
+          <a:xfrm>
+            <a:off x="4302352" y="2128118"/>
+            <a:ext cx="2173947" cy="914400"/>
+          </a:xfrm>
+          <a:prstGeom prst="roundRect">
+            <a:avLst/>
+          </a:prstGeom>
+          <a:solidFill>
+            <a:srgbClr val="FF99FF"/>
+          </a:solidFill>
+          <a:ln>
+            <a:solidFill>
+              <a:srgbClr val="FF66FF"/>
+            </a:solidFill>
+          </a:ln>
+        </p:spPr>
+        <p:style>
+          <a:lnRef idx="2">
+            <a:schemeClr val="accent1">
+              <a:shade val="50000"/>
+            </a:schemeClr>
+          </a:lnRef>
+          <a:fillRef idx="1">
+            <a:schemeClr val="accent1"/>
+          </a:fillRef>
+          <a:effectRef idx="0">
+            <a:schemeClr val="accent1"/>
+          </a:effectRef>
+          <a:fontRef idx="minor">
+            <a:schemeClr val="lt1"/>
+          </a:fontRef>
+        </p:style>
+        <p:txBody>
+          <a:bodyPr rtlCol="0" anchor="ctr"/>
+          <a:lstStyle/>
+          <a:p>
+            <a:pPr algn="ctr"/>
+            <a:r>
+              <a:rPr lang="en-GB" dirty="0"/>
+              <a:t>Identify adaptation tipping points</a:t>
+            </a:r>
+          </a:p>
+        </p:txBody>
+      </p:sp>
+      <p:sp>
+        <p:nvSpPr>
+          <p:cNvPr id="7" name="Rectangle: Rounded Corners 6">
+            <a:extLst>
+              <a:ext uri="{FF2B5EF4-FFF2-40B4-BE49-F238E27FC236}">
+                <a16:creationId xmlns:a16="http://schemas.microsoft.com/office/drawing/2014/main" id="{00ED7C29-2DDF-4CC5-B37C-03C8F5580239}"/>
+              </a:ext>
+            </a:extLst>
+          </p:cNvPr>
+          <p:cNvSpPr/>
+          <p:nvPr/>
+        </p:nvSpPr>
+        <p:spPr>
+          <a:xfrm>
+            <a:off x="7107270" y="4052103"/>
+            <a:ext cx="2173947" cy="914400"/>
+          </a:xfrm>
+          <a:prstGeom prst="roundRect">
+            <a:avLst/>
+          </a:prstGeom>
+          <a:solidFill>
+            <a:srgbClr val="FF99FF"/>
+          </a:solidFill>
+          <a:ln>
+            <a:solidFill>
+              <a:srgbClr val="FF66FF"/>
+            </a:solidFill>
+          </a:ln>
+        </p:spPr>
+        <p:style>
+          <a:lnRef idx="2">
+            <a:schemeClr val="accent1">
+              <a:shade val="50000"/>
+            </a:schemeClr>
+          </a:lnRef>
+          <a:fillRef idx="1">
+            <a:schemeClr val="accent1"/>
+          </a:fillRef>
+          <a:effectRef idx="0">
+            <a:schemeClr val="accent1"/>
+          </a:effectRef>
+          <a:fontRef idx="minor">
+            <a:schemeClr val="lt1"/>
+          </a:fontRef>
+        </p:style>
+        <p:txBody>
+          <a:bodyPr rtlCol="0" anchor="ctr"/>
+          <a:lstStyle/>
+          <a:p>
+            <a:pPr algn="ctr"/>
+            <a:r>
+              <a:rPr lang="en-GB" dirty="0"/>
+              <a:t>Generate candidate solutions</a:t>
+            </a:r>
+          </a:p>
+        </p:txBody>
+      </p:sp>
+      <p:sp>
+        <p:nvSpPr>
+          <p:cNvPr id="9" name="Rectangle: Rounded Corners 8">
+            <a:extLst>
+              <a:ext uri="{FF2B5EF4-FFF2-40B4-BE49-F238E27FC236}">
+                <a16:creationId xmlns:a16="http://schemas.microsoft.com/office/drawing/2014/main" id="{FFBA75DA-35A7-4422-ACF0-8EF5C3004956}"/>
+              </a:ext>
+            </a:extLst>
+          </p:cNvPr>
+          <p:cNvSpPr/>
+          <p:nvPr/>
+        </p:nvSpPr>
+        <p:spPr>
+          <a:xfrm>
+            <a:off x="7107269" y="2128118"/>
+            <a:ext cx="2173947" cy="914400"/>
+          </a:xfrm>
+          <a:prstGeom prst="roundRect">
+            <a:avLst/>
+          </a:prstGeom>
+          <a:solidFill>
+            <a:srgbClr val="FF99FF"/>
+          </a:solidFill>
+          <a:ln>
+            <a:solidFill>
+              <a:srgbClr val="FF66FF"/>
+            </a:solidFill>
+          </a:ln>
+        </p:spPr>
+        <p:style>
+          <a:lnRef idx="2">
+            <a:schemeClr val="accent1">
+              <a:shade val="50000"/>
+            </a:schemeClr>
+          </a:lnRef>
+          <a:fillRef idx="1">
+            <a:schemeClr val="accent1"/>
+          </a:fillRef>
+          <a:effectRef idx="0">
+            <a:schemeClr val="accent1"/>
+          </a:effectRef>
+          <a:fontRef idx="minor">
+            <a:schemeClr val="lt1"/>
+          </a:fontRef>
+        </p:style>
+        <p:txBody>
+          <a:bodyPr rtlCol="0" anchor="ctr"/>
+          <a:lstStyle/>
+          <a:p>
+            <a:pPr algn="ctr"/>
+            <a:r>
+              <a:rPr lang="en-GB" dirty="0"/>
+              <a:t>Sensitivity analysis</a:t>
+            </a:r>
+          </a:p>
+        </p:txBody>
+      </p:sp>
+      <p:sp>
+        <p:nvSpPr>
+          <p:cNvPr id="10" name="Rectangle: Rounded Corners 9">
+            <a:extLst>
+              <a:ext uri="{FF2B5EF4-FFF2-40B4-BE49-F238E27FC236}">
+                <a16:creationId xmlns:a16="http://schemas.microsoft.com/office/drawing/2014/main" id="{4AEA9FA6-7138-494F-A521-8D5E394B457A}"/>
+              </a:ext>
+            </a:extLst>
+          </p:cNvPr>
+          <p:cNvSpPr/>
+          <p:nvPr/>
+        </p:nvSpPr>
+        <p:spPr>
+          <a:xfrm>
+            <a:off x="7107269" y="297972"/>
+            <a:ext cx="2173947" cy="914400"/>
+          </a:xfrm>
+          <a:prstGeom prst="roundRect">
+            <a:avLst/>
+          </a:prstGeom>
+          <a:solidFill>
+            <a:srgbClr val="FF99FF"/>
+          </a:solidFill>
+          <a:ln>
+            <a:solidFill>
+              <a:srgbClr val="FF66FF"/>
+            </a:solidFill>
+          </a:ln>
+        </p:spPr>
+        <p:style>
+          <a:lnRef idx="2">
+            <a:schemeClr val="accent1">
+              <a:shade val="50000"/>
+            </a:schemeClr>
+          </a:lnRef>
+          <a:fillRef idx="1">
+            <a:schemeClr val="accent1"/>
+          </a:fillRef>
+          <a:effectRef idx="0">
+            <a:schemeClr val="accent1"/>
+          </a:effectRef>
+          <a:fontRef idx="minor">
+            <a:schemeClr val="lt1"/>
+          </a:fontRef>
+        </p:style>
+        <p:txBody>
+          <a:bodyPr rtlCol="0" anchor="ctr"/>
+          <a:lstStyle/>
+          <a:p>
+            <a:pPr algn="ctr"/>
+            <a:r>
+              <a:rPr lang="en-GB" dirty="0"/>
+              <a:t>Update adaptation pathway</a:t>
+            </a:r>
+          </a:p>
+        </p:txBody>
+      </p:sp>
+      <p:cxnSp>
+        <p:nvCxnSpPr>
+          <p:cNvPr id="12" name="Straight Arrow Connector 11">
+            <a:extLst>
+              <a:ext uri="{FF2B5EF4-FFF2-40B4-BE49-F238E27FC236}">
+                <a16:creationId xmlns:a16="http://schemas.microsoft.com/office/drawing/2014/main" id="{9B96C25D-F4D1-4735-B4EA-ACA52A3D6D74}"/>
+              </a:ext>
+            </a:extLst>
+          </p:cNvPr>
+          <p:cNvCxnSpPr>
+            <a:cxnSpLocks/>
+            <a:stCxn id="4" idx="2"/>
+            <a:endCxn id="6" idx="0"/>
+          </p:cNvCxnSpPr>
+          <p:nvPr/>
+        </p:nvCxnSpPr>
+        <p:spPr>
+          <a:xfrm>
+            <a:off x="5389326" y="1212372"/>
+            <a:ext cx="0" cy="915746"/>
+          </a:xfrm>
+          <a:prstGeom prst="straightConnector1">
+            <a:avLst/>
+          </a:prstGeom>
+          <a:ln>
+            <a:solidFill>
+              <a:srgbClr val="FF66FF"/>
+            </a:solidFill>
+            <a:tailEnd type="triangle"/>
+          </a:ln>
+        </p:spPr>
+        <p:style>
+          <a:lnRef idx="1">
+            <a:schemeClr val="accent1"/>
+          </a:lnRef>
+          <a:fillRef idx="0">
+            <a:schemeClr val="accent1"/>
+          </a:fillRef>
+          <a:effectRef idx="0">
+            <a:schemeClr val="accent1"/>
+          </a:effectRef>
+          <a:fontRef idx="minor">
+            <a:schemeClr val="tx1"/>
+          </a:fontRef>
+        </p:style>
+      </p:cxnSp>
+      <p:sp>
+        <p:nvSpPr>
+          <p:cNvPr id="23" name="Rectangle: Rounded Corners 22">
+            <a:extLst>
+              <a:ext uri="{FF2B5EF4-FFF2-40B4-BE49-F238E27FC236}">
+                <a16:creationId xmlns:a16="http://schemas.microsoft.com/office/drawing/2014/main" id="{2E55523B-BD6C-44C4-94D2-774DA59A1F88}"/>
+              </a:ext>
+            </a:extLst>
+          </p:cNvPr>
+          <p:cNvSpPr/>
+          <p:nvPr/>
+        </p:nvSpPr>
+        <p:spPr>
+          <a:xfrm>
+            <a:off x="4302352" y="4052103"/>
+            <a:ext cx="2173947" cy="914400"/>
+          </a:xfrm>
+          <a:prstGeom prst="roundRect">
+            <a:avLst/>
+          </a:prstGeom>
+          <a:solidFill>
+            <a:srgbClr val="FF99FF"/>
+          </a:solidFill>
+          <a:ln>
+            <a:solidFill>
+              <a:srgbClr val="FF66FF"/>
+            </a:solidFill>
+          </a:ln>
+        </p:spPr>
+        <p:style>
+          <a:lnRef idx="2">
+            <a:schemeClr val="accent1">
+              <a:shade val="50000"/>
+            </a:schemeClr>
+          </a:lnRef>
+          <a:fillRef idx="1">
+            <a:schemeClr val="accent1"/>
+          </a:fillRef>
+          <a:effectRef idx="0">
+            <a:schemeClr val="accent1"/>
+          </a:effectRef>
+          <a:fontRef idx="minor">
+            <a:schemeClr val="lt1"/>
+          </a:fontRef>
+        </p:style>
+        <p:txBody>
+          <a:bodyPr rtlCol="0" anchor="ctr"/>
+          <a:lstStyle/>
+          <a:p>
+            <a:pPr algn="ctr"/>
+            <a:r>
+              <a:rPr lang="en-GB" dirty="0"/>
+              <a:t>Scenario selection</a:t>
+            </a:r>
+          </a:p>
+        </p:txBody>
+      </p:sp>
+      <p:cxnSp>
+        <p:nvCxnSpPr>
+          <p:cNvPr id="58" name="Straight Arrow Connector 57">
+            <a:extLst>
+              <a:ext uri="{FF2B5EF4-FFF2-40B4-BE49-F238E27FC236}">
+                <a16:creationId xmlns:a16="http://schemas.microsoft.com/office/drawing/2014/main" id="{5C7DE352-EA72-4947-A0BA-488D3B0575CA}"/>
+              </a:ext>
+            </a:extLst>
+          </p:cNvPr>
+          <p:cNvCxnSpPr>
+            <a:cxnSpLocks/>
+            <a:stCxn id="6" idx="2"/>
+            <a:endCxn id="23" idx="0"/>
+          </p:cNvCxnSpPr>
+          <p:nvPr/>
+        </p:nvCxnSpPr>
+        <p:spPr>
+          <a:xfrm>
+            <a:off x="5389326" y="3042518"/>
+            <a:ext cx="0" cy="1009585"/>
+          </a:xfrm>
+          <a:prstGeom prst="straightConnector1">
+            <a:avLst/>
+          </a:prstGeom>
+          <a:ln>
+            <a:solidFill>
+              <a:srgbClr val="FF66FF"/>
+            </a:solidFill>
+            <a:tailEnd type="triangle"/>
+          </a:ln>
+        </p:spPr>
+        <p:style>
+          <a:lnRef idx="1">
+            <a:schemeClr val="accent1"/>
+          </a:lnRef>
+          <a:fillRef idx="0">
+            <a:schemeClr val="accent1"/>
+          </a:fillRef>
+          <a:effectRef idx="0">
+            <a:schemeClr val="accent1"/>
+          </a:effectRef>
+          <a:fontRef idx="minor">
+            <a:schemeClr val="tx1"/>
+          </a:fontRef>
+        </p:style>
+      </p:cxnSp>
+      <p:cxnSp>
+        <p:nvCxnSpPr>
+          <p:cNvPr id="59" name="Straight Arrow Connector 58">
+            <a:extLst>
+              <a:ext uri="{FF2B5EF4-FFF2-40B4-BE49-F238E27FC236}">
+                <a16:creationId xmlns:a16="http://schemas.microsoft.com/office/drawing/2014/main" id="{02379286-8A5E-442F-AF7E-AAAB690B42C2}"/>
+              </a:ext>
+            </a:extLst>
+          </p:cNvPr>
+          <p:cNvCxnSpPr>
+            <a:cxnSpLocks/>
+            <a:stCxn id="23" idx="3"/>
+            <a:endCxn id="7" idx="1"/>
+          </p:cNvCxnSpPr>
+          <p:nvPr/>
+        </p:nvCxnSpPr>
+        <p:spPr>
+          <a:xfrm>
+            <a:off x="6476299" y="4509303"/>
+            <a:ext cx="630971" cy="0"/>
+          </a:xfrm>
+          <a:prstGeom prst="straightConnector1">
+            <a:avLst/>
+          </a:prstGeom>
+          <a:ln>
+            <a:solidFill>
+              <a:srgbClr val="FF66FF"/>
+            </a:solidFill>
+            <a:tailEnd type="triangle"/>
+          </a:ln>
+        </p:spPr>
+        <p:style>
+          <a:lnRef idx="1">
+            <a:schemeClr val="accent1"/>
+          </a:lnRef>
+          <a:fillRef idx="0">
+            <a:schemeClr val="accent1"/>
+          </a:fillRef>
+          <a:effectRef idx="0">
+            <a:schemeClr val="accent1"/>
+          </a:effectRef>
+          <a:fontRef idx="minor">
+            <a:schemeClr val="tx1"/>
+          </a:fontRef>
+        </p:style>
+      </p:cxnSp>
+      <p:cxnSp>
+        <p:nvCxnSpPr>
+          <p:cNvPr id="63" name="Straight Arrow Connector 62">
+            <a:extLst>
+              <a:ext uri="{FF2B5EF4-FFF2-40B4-BE49-F238E27FC236}">
+                <a16:creationId xmlns:a16="http://schemas.microsoft.com/office/drawing/2014/main" id="{E47DD148-5065-459F-81DC-ABA84B290DD7}"/>
+              </a:ext>
+            </a:extLst>
+          </p:cNvPr>
+          <p:cNvCxnSpPr>
+            <a:cxnSpLocks/>
+            <a:stCxn id="7" idx="0"/>
+            <a:endCxn id="9" idx="2"/>
+          </p:cNvCxnSpPr>
+          <p:nvPr/>
+        </p:nvCxnSpPr>
+        <p:spPr>
+          <a:xfrm flipH="1" flipV="1">
+            <a:off x="8194243" y="3042518"/>
+            <a:ext cx="1" cy="1009585"/>
+          </a:xfrm>
+          <a:prstGeom prst="straightConnector1">
+            <a:avLst/>
+          </a:prstGeom>
+          <a:ln>
+            <a:solidFill>
+              <a:srgbClr val="FF66FF"/>
+            </a:solidFill>
+            <a:tailEnd type="triangle"/>
+          </a:ln>
+        </p:spPr>
+        <p:style>
+          <a:lnRef idx="1">
+            <a:schemeClr val="accent1"/>
+          </a:lnRef>
+          <a:fillRef idx="0">
+            <a:schemeClr val="accent1"/>
+          </a:fillRef>
+          <a:effectRef idx="0">
+            <a:schemeClr val="accent1"/>
+          </a:effectRef>
+          <a:fontRef idx="minor">
+            <a:schemeClr val="tx1"/>
+          </a:fontRef>
+        </p:style>
+      </p:cxnSp>
+      <p:cxnSp>
+        <p:nvCxnSpPr>
+          <p:cNvPr id="67" name="Straight Arrow Connector 66">
+            <a:extLst>
+              <a:ext uri="{FF2B5EF4-FFF2-40B4-BE49-F238E27FC236}">
+                <a16:creationId xmlns:a16="http://schemas.microsoft.com/office/drawing/2014/main" id="{BCF7CCA4-EEB8-4C79-9F24-C0D6D355A77E}"/>
+              </a:ext>
+            </a:extLst>
+          </p:cNvPr>
+          <p:cNvCxnSpPr>
+            <a:cxnSpLocks/>
+            <a:stCxn id="9" idx="0"/>
+            <a:endCxn id="10" idx="2"/>
+          </p:cNvCxnSpPr>
+          <p:nvPr/>
+        </p:nvCxnSpPr>
+        <p:spPr>
+          <a:xfrm flipV="1">
+            <a:off x="8194243" y="1212372"/>
+            <a:ext cx="0" cy="915746"/>
+          </a:xfrm>
+          <a:prstGeom prst="straightConnector1">
+            <a:avLst/>
+          </a:prstGeom>
+          <a:ln>
+            <a:solidFill>
+              <a:srgbClr val="FF66FF"/>
+            </a:solidFill>
+            <a:tailEnd type="triangle"/>
+          </a:ln>
+        </p:spPr>
+        <p:style>
+          <a:lnRef idx="1">
+            <a:schemeClr val="accent1"/>
+          </a:lnRef>
+          <a:fillRef idx="0">
+            <a:schemeClr val="accent1"/>
+          </a:fillRef>
+          <a:effectRef idx="0">
+            <a:schemeClr val="accent1"/>
+          </a:effectRef>
+          <a:fontRef idx="minor">
+            <a:schemeClr val="tx1"/>
+          </a:fontRef>
+        </p:style>
+      </p:cxnSp>
+      <p:cxnSp>
+        <p:nvCxnSpPr>
+          <p:cNvPr id="72" name="Straight Arrow Connector 71">
+            <a:extLst>
+              <a:ext uri="{FF2B5EF4-FFF2-40B4-BE49-F238E27FC236}">
+                <a16:creationId xmlns:a16="http://schemas.microsoft.com/office/drawing/2014/main" id="{86D8DF9D-1DB1-411E-8ECC-2C9287F357F7}"/>
+              </a:ext>
+            </a:extLst>
+          </p:cNvPr>
+          <p:cNvCxnSpPr>
+            <a:cxnSpLocks/>
+            <a:stCxn id="9" idx="1"/>
+            <a:endCxn id="6" idx="3"/>
+          </p:cNvCxnSpPr>
+          <p:nvPr/>
+        </p:nvCxnSpPr>
+        <p:spPr>
+          <a:xfrm flipH="1">
+            <a:off x="6476299" y="2585318"/>
+            <a:ext cx="630970" cy="0"/>
+          </a:xfrm>
+          <a:prstGeom prst="straightConnector1">
+            <a:avLst/>
+          </a:prstGeom>
+          <a:ln>
+            <a:solidFill>
+              <a:srgbClr val="FF66FF"/>
+            </a:solidFill>
+            <a:tailEnd type="triangle"/>
+          </a:ln>
+        </p:spPr>
+        <p:style>
+          <a:lnRef idx="1">
+            <a:schemeClr val="accent1"/>
+          </a:lnRef>
+          <a:fillRef idx="0">
+            <a:schemeClr val="accent1"/>
+          </a:fillRef>
+          <a:effectRef idx="0">
+            <a:schemeClr val="accent1"/>
+          </a:effectRef>
+          <a:fontRef idx="minor">
+            <a:schemeClr val="tx1"/>
+          </a:fontRef>
+        </p:style>
+      </p:cxnSp>
+    </p:spTree>
+    <p:extLst>
+      <p:ext uri="{BB962C8B-B14F-4D97-AF65-F5344CB8AC3E}">
+        <p14:creationId xmlns:p14="http://schemas.microsoft.com/office/powerpoint/2010/main" val="4181852586"/>
+      </p:ext>
+    </p:extLst>
+  </p:cSld>
+  <p:clrMapOvr>
+    <a:masterClrMapping/>
+  </p:clrMapOvr>
+</p:sld>
+</file>
+
 <file path=ppt/theme/theme1.xml><?xml version="1.0" encoding="utf-8"?>
 <a:theme xmlns:a="http://schemas.openxmlformats.org/drawingml/2006/main" name="Office Theme">
   <a:themeElements>

--- a/report/figures/flowchart.pptx
+++ b/report/figures/flowchart.pptx
@@ -4516,7 +4516,6 @@
           </p:cNvPr>
           <p:cNvCxnSpPr>
             <a:cxnSpLocks/>
-            <a:stCxn id="9" idx="0"/>
             <a:endCxn id="10" idx="2"/>
           </p:cNvCxnSpPr>
           <p:nvPr/>
@@ -4524,7 +4523,7 @@
         <p:spPr>
           <a:xfrm flipV="1">
             <a:off x="8194243" y="1212372"/>
-            <a:ext cx="0" cy="915746"/>
+            <a:ext cx="0" cy="457037"/>
           </a:xfrm>
           <a:prstGeom prst="straightConnector1">
             <a:avLst/>
@@ -4580,6 +4579,92 @@
               <a:srgbClr val="FF66FF"/>
             </a:solidFill>
             <a:tailEnd type="triangle"/>
+          </a:ln>
+        </p:spPr>
+        <p:style>
+          <a:lnRef idx="1">
+            <a:schemeClr val="accent1"/>
+          </a:lnRef>
+          <a:fillRef idx="0">
+            <a:schemeClr val="accent1"/>
+          </a:fillRef>
+          <a:effectRef idx="0">
+            <a:schemeClr val="accent1"/>
+          </a:effectRef>
+          <a:fontRef idx="minor">
+            <a:schemeClr val="tx1"/>
+          </a:fontRef>
+        </p:style>
+      </p:cxnSp>
+      <p:cxnSp>
+        <p:nvCxnSpPr>
+          <p:cNvPr id="15" name="Straight Connector 14">
+            <a:extLst>
+              <a:ext uri="{FF2B5EF4-FFF2-40B4-BE49-F238E27FC236}">
+                <a16:creationId xmlns:a16="http://schemas.microsoft.com/office/drawing/2014/main" id="{08EA6739-DC7B-4100-AC73-62EF6801DCEF}"/>
+              </a:ext>
+            </a:extLst>
+          </p:cNvPr>
+          <p:cNvCxnSpPr>
+            <a:cxnSpLocks/>
+          </p:cNvCxnSpPr>
+          <p:nvPr/>
+        </p:nvCxnSpPr>
+        <p:spPr>
+          <a:xfrm flipH="1">
+            <a:off x="6811861" y="1669409"/>
+            <a:ext cx="1382383" cy="0"/>
+          </a:xfrm>
+          <a:prstGeom prst="line">
+            <a:avLst/>
+          </a:prstGeom>
+          <a:ln>
+            <a:solidFill>
+              <a:srgbClr val="FF66FF"/>
+            </a:solidFill>
+          </a:ln>
+        </p:spPr>
+        <p:style>
+          <a:lnRef idx="1">
+            <a:schemeClr val="accent1"/>
+          </a:lnRef>
+          <a:fillRef idx="0">
+            <a:schemeClr val="accent1"/>
+          </a:fillRef>
+          <a:effectRef idx="0">
+            <a:schemeClr val="accent1"/>
+          </a:effectRef>
+          <a:fontRef idx="minor">
+            <a:schemeClr val="tx1"/>
+          </a:fontRef>
+        </p:style>
+      </p:cxnSp>
+      <p:cxnSp>
+        <p:nvCxnSpPr>
+          <p:cNvPr id="18" name="Straight Connector 17">
+            <a:extLst>
+              <a:ext uri="{FF2B5EF4-FFF2-40B4-BE49-F238E27FC236}">
+                <a16:creationId xmlns:a16="http://schemas.microsoft.com/office/drawing/2014/main" id="{9DAA1703-EDFE-4DE1-AB1B-442D7FDB37D2}"/>
+              </a:ext>
+            </a:extLst>
+          </p:cNvPr>
+          <p:cNvCxnSpPr>
+            <a:cxnSpLocks/>
+          </p:cNvCxnSpPr>
+          <p:nvPr/>
+        </p:nvCxnSpPr>
+        <p:spPr>
+          <a:xfrm flipV="1">
+            <a:off x="6811861" y="1669409"/>
+            <a:ext cx="0" cy="915909"/>
+          </a:xfrm>
+          <a:prstGeom prst="line">
+            <a:avLst/>
+          </a:prstGeom>
+          <a:ln>
+            <a:solidFill>
+              <a:srgbClr val="FF66FF"/>
+            </a:solidFill>
           </a:ln>
         </p:spPr>
         <p:style>

--- a/report/figures/flowchart.pptx
+++ b/report/figures/flowchart.pptx
@@ -7,6 +7,8 @@
   <p:sldIdLst>
     <p:sldId id="256" r:id="rId2"/>
     <p:sldId id="257" r:id="rId3"/>
+    <p:sldId id="258" r:id="rId4"/>
+    <p:sldId id="259" r:id="rId5"/>
   </p:sldIdLst>
   <p:sldSz cx="12192000" cy="6858000"/>
   <p:notesSz cx="6858000" cy="9144000"/>
@@ -262,7 +264,7 @@
           <a:p>
             <a:fld id="{D918C84F-5000-4BD5-98FC-FEF3364E41FE}" type="datetimeFigureOut">
               <a:rPr lang="en-GB" smtClean="0"/>
-              <a:t>03/06/2021</a:t>
+              <a:t>04/06/2021</a:t>
             </a:fld>
             <a:endParaRPr lang="en-GB"/>
           </a:p>
@@ -462,7 +464,7 @@
           <a:p>
             <a:fld id="{D918C84F-5000-4BD5-98FC-FEF3364E41FE}" type="datetimeFigureOut">
               <a:rPr lang="en-GB" smtClean="0"/>
-              <a:t>03/06/2021</a:t>
+              <a:t>04/06/2021</a:t>
             </a:fld>
             <a:endParaRPr lang="en-GB"/>
           </a:p>
@@ -672,7 +674,7 @@
           <a:p>
             <a:fld id="{D918C84F-5000-4BD5-98FC-FEF3364E41FE}" type="datetimeFigureOut">
               <a:rPr lang="en-GB" smtClean="0"/>
-              <a:t>03/06/2021</a:t>
+              <a:t>04/06/2021</a:t>
             </a:fld>
             <a:endParaRPr lang="en-GB"/>
           </a:p>
@@ -872,7 +874,7 @@
           <a:p>
             <a:fld id="{D918C84F-5000-4BD5-98FC-FEF3364E41FE}" type="datetimeFigureOut">
               <a:rPr lang="en-GB" smtClean="0"/>
-              <a:t>03/06/2021</a:t>
+              <a:t>04/06/2021</a:t>
             </a:fld>
             <a:endParaRPr lang="en-GB"/>
           </a:p>
@@ -1148,7 +1150,7 @@
           <a:p>
             <a:fld id="{D918C84F-5000-4BD5-98FC-FEF3364E41FE}" type="datetimeFigureOut">
               <a:rPr lang="en-GB" smtClean="0"/>
-              <a:t>03/06/2021</a:t>
+              <a:t>04/06/2021</a:t>
             </a:fld>
             <a:endParaRPr lang="en-GB"/>
           </a:p>
@@ -1416,7 +1418,7 @@
           <a:p>
             <a:fld id="{D918C84F-5000-4BD5-98FC-FEF3364E41FE}" type="datetimeFigureOut">
               <a:rPr lang="en-GB" smtClean="0"/>
-              <a:t>03/06/2021</a:t>
+              <a:t>04/06/2021</a:t>
             </a:fld>
             <a:endParaRPr lang="en-GB"/>
           </a:p>
@@ -1831,7 +1833,7 @@
           <a:p>
             <a:fld id="{D918C84F-5000-4BD5-98FC-FEF3364E41FE}" type="datetimeFigureOut">
               <a:rPr lang="en-GB" smtClean="0"/>
-              <a:t>03/06/2021</a:t>
+              <a:t>04/06/2021</a:t>
             </a:fld>
             <a:endParaRPr lang="en-GB"/>
           </a:p>
@@ -1973,7 +1975,7 @@
           <a:p>
             <a:fld id="{D918C84F-5000-4BD5-98FC-FEF3364E41FE}" type="datetimeFigureOut">
               <a:rPr lang="en-GB" smtClean="0"/>
-              <a:t>03/06/2021</a:t>
+              <a:t>04/06/2021</a:t>
             </a:fld>
             <a:endParaRPr lang="en-GB"/>
           </a:p>
@@ -2086,7 +2088,7 @@
           <a:p>
             <a:fld id="{D918C84F-5000-4BD5-98FC-FEF3364E41FE}" type="datetimeFigureOut">
               <a:rPr lang="en-GB" smtClean="0"/>
-              <a:t>03/06/2021</a:t>
+              <a:t>04/06/2021</a:t>
             </a:fld>
             <a:endParaRPr lang="en-GB"/>
           </a:p>
@@ -2399,7 +2401,7 @@
           <a:p>
             <a:fld id="{D918C84F-5000-4BD5-98FC-FEF3364E41FE}" type="datetimeFigureOut">
               <a:rPr lang="en-GB" smtClean="0"/>
-              <a:t>03/06/2021</a:t>
+              <a:t>04/06/2021</a:t>
             </a:fld>
             <a:endParaRPr lang="en-GB"/>
           </a:p>
@@ -2688,7 +2690,7 @@
           <a:p>
             <a:fld id="{D918C84F-5000-4BD5-98FC-FEF3364E41FE}" type="datetimeFigureOut">
               <a:rPr lang="en-GB" smtClean="0"/>
-              <a:t>03/06/2021</a:t>
+              <a:t>04/06/2021</a:t>
             </a:fld>
             <a:endParaRPr lang="en-GB"/>
           </a:p>
@@ -2931,7 +2933,7 @@
           <a:p>
             <a:fld id="{D918C84F-5000-4BD5-98FC-FEF3364E41FE}" type="datetimeFigureOut">
               <a:rPr lang="en-GB" smtClean="0"/>
-              <a:t>03/06/2021</a:t>
+              <a:t>04/06/2021</a:t>
             </a:fld>
             <a:endParaRPr lang="en-GB"/>
           </a:p>
@@ -4695,6 +4697,2024 @@
 </p:sld>
 </file>
 
+<file path=ppt/slides/slide3.xml><?xml version="1.0" encoding="utf-8"?>
+<p:sld xmlns:a="http://schemas.openxmlformats.org/drawingml/2006/main" xmlns:r="http://schemas.openxmlformats.org/officeDocument/2006/relationships" xmlns:p="http://schemas.openxmlformats.org/presentationml/2006/main">
+  <p:cSld>
+    <p:spTree>
+      <p:nvGrpSpPr>
+        <p:cNvPr id="1" name=""/>
+        <p:cNvGrpSpPr/>
+        <p:nvPr/>
+      </p:nvGrpSpPr>
+      <p:grpSpPr>
+        <a:xfrm>
+          <a:off x="0" y="0"/>
+          <a:ext cx="0" cy="0"/>
+          <a:chOff x="0" y="0"/>
+          <a:chExt cx="0" cy="0"/>
+        </a:xfrm>
+      </p:grpSpPr>
+      <p:sp>
+        <p:nvSpPr>
+          <p:cNvPr id="4" name="Rectangle: Rounded Corners 3">
+            <a:extLst>
+              <a:ext uri="{FF2B5EF4-FFF2-40B4-BE49-F238E27FC236}">
+                <a16:creationId xmlns:a16="http://schemas.microsoft.com/office/drawing/2014/main" id="{E3A057C4-3755-4332-A1B4-79DDB1E9294E}"/>
+              </a:ext>
+            </a:extLst>
+          </p:cNvPr>
+          <p:cNvSpPr/>
+          <p:nvPr/>
+        </p:nvSpPr>
+        <p:spPr>
+          <a:xfrm>
+            <a:off x="3018798" y="4344869"/>
+            <a:ext cx="2173947" cy="914400"/>
+          </a:xfrm>
+          <a:prstGeom prst="roundRect">
+            <a:avLst/>
+          </a:prstGeom>
+          <a:solidFill>
+            <a:srgbClr val="FF99FF"/>
+          </a:solidFill>
+          <a:ln>
+            <a:solidFill>
+              <a:srgbClr val="FF66FF"/>
+            </a:solidFill>
+          </a:ln>
+        </p:spPr>
+        <p:style>
+          <a:lnRef idx="2">
+            <a:schemeClr val="accent1">
+              <a:shade val="50000"/>
+            </a:schemeClr>
+          </a:lnRef>
+          <a:fillRef idx="1">
+            <a:schemeClr val="accent1"/>
+          </a:fillRef>
+          <a:effectRef idx="0">
+            <a:schemeClr val="accent1"/>
+          </a:effectRef>
+          <a:fontRef idx="minor">
+            <a:schemeClr val="lt1"/>
+          </a:fontRef>
+        </p:style>
+        <p:txBody>
+          <a:bodyPr rtlCol="0" anchor="ctr"/>
+          <a:lstStyle/>
+          <a:p>
+            <a:pPr algn="ctr"/>
+            <a:r>
+              <a:rPr lang="en-GB" dirty="0"/>
+              <a:t>Optimise to get policies</a:t>
+            </a:r>
+          </a:p>
+        </p:txBody>
+      </p:sp>
+      <p:sp>
+        <p:nvSpPr>
+          <p:cNvPr id="6" name="Rectangle: Rounded Corners 5">
+            <a:extLst>
+              <a:ext uri="{FF2B5EF4-FFF2-40B4-BE49-F238E27FC236}">
+                <a16:creationId xmlns:a16="http://schemas.microsoft.com/office/drawing/2014/main" id="{7BC2E0E6-289D-4D84-8001-4B264771F9B0}"/>
+              </a:ext>
+            </a:extLst>
+          </p:cNvPr>
+          <p:cNvSpPr/>
+          <p:nvPr/>
+        </p:nvSpPr>
+        <p:spPr>
+          <a:xfrm>
+            <a:off x="6757430" y="52572"/>
+            <a:ext cx="2173947" cy="914400"/>
+          </a:xfrm>
+          <a:prstGeom prst="roundRect">
+            <a:avLst/>
+          </a:prstGeom>
+          <a:solidFill>
+            <a:srgbClr val="FF99FF"/>
+          </a:solidFill>
+          <a:ln>
+            <a:solidFill>
+              <a:srgbClr val="FF66FF"/>
+            </a:solidFill>
+          </a:ln>
+        </p:spPr>
+        <p:style>
+          <a:lnRef idx="2">
+            <a:schemeClr val="accent1">
+              <a:shade val="50000"/>
+            </a:schemeClr>
+          </a:lnRef>
+          <a:fillRef idx="1">
+            <a:schemeClr val="accent1"/>
+          </a:fillRef>
+          <a:effectRef idx="0">
+            <a:schemeClr val="accent1"/>
+          </a:effectRef>
+          <a:fontRef idx="minor">
+            <a:schemeClr val="lt1"/>
+          </a:fontRef>
+        </p:style>
+        <p:txBody>
+          <a:bodyPr rtlCol="0" anchor="ctr"/>
+          <a:lstStyle/>
+          <a:p>
+            <a:pPr algn="ctr"/>
+            <a:r>
+              <a:rPr lang="en-GB" dirty="0"/>
+              <a:t>Generate scenarios</a:t>
+            </a:r>
+          </a:p>
+        </p:txBody>
+      </p:sp>
+      <p:sp>
+        <p:nvSpPr>
+          <p:cNvPr id="7" name="Rectangle: Rounded Corners 6">
+            <a:extLst>
+              <a:ext uri="{FF2B5EF4-FFF2-40B4-BE49-F238E27FC236}">
+                <a16:creationId xmlns:a16="http://schemas.microsoft.com/office/drawing/2014/main" id="{093A483B-CAB1-4235-B56F-A874793B09B8}"/>
+              </a:ext>
+            </a:extLst>
+          </p:cNvPr>
+          <p:cNvSpPr/>
+          <p:nvPr/>
+        </p:nvSpPr>
+        <p:spPr>
+          <a:xfrm>
+            <a:off x="3018800" y="1805044"/>
+            <a:ext cx="2173947" cy="914400"/>
+          </a:xfrm>
+          <a:prstGeom prst="roundRect">
+            <a:avLst/>
+          </a:prstGeom>
+          <a:solidFill>
+            <a:srgbClr val="FF99FF"/>
+          </a:solidFill>
+          <a:ln>
+            <a:solidFill>
+              <a:srgbClr val="FF66FF"/>
+            </a:solidFill>
+          </a:ln>
+        </p:spPr>
+        <p:style>
+          <a:lnRef idx="2">
+            <a:schemeClr val="accent1">
+              <a:shade val="50000"/>
+            </a:schemeClr>
+          </a:lnRef>
+          <a:fillRef idx="1">
+            <a:schemeClr val="accent1"/>
+          </a:fillRef>
+          <a:effectRef idx="0">
+            <a:schemeClr val="accent1"/>
+          </a:effectRef>
+          <a:fontRef idx="minor">
+            <a:schemeClr val="lt1"/>
+          </a:fontRef>
+        </p:style>
+        <p:txBody>
+          <a:bodyPr rtlCol="0" anchor="ctr"/>
+          <a:lstStyle/>
+          <a:p>
+            <a:pPr algn="ctr"/>
+            <a:r>
+              <a:rPr lang="en-GB" dirty="0"/>
+              <a:t>Identify the scary events</a:t>
+            </a:r>
+          </a:p>
+        </p:txBody>
+      </p:sp>
+      <p:sp>
+        <p:nvSpPr>
+          <p:cNvPr id="9" name="Rectangle: Rounded Corners 8">
+            <a:extLst>
+              <a:ext uri="{FF2B5EF4-FFF2-40B4-BE49-F238E27FC236}">
+                <a16:creationId xmlns:a16="http://schemas.microsoft.com/office/drawing/2014/main" id="{C208AF1D-48A0-44E1-B785-6F973A0D34D7}"/>
+              </a:ext>
+            </a:extLst>
+          </p:cNvPr>
+          <p:cNvSpPr/>
+          <p:nvPr/>
+        </p:nvSpPr>
+        <p:spPr>
+          <a:xfrm>
+            <a:off x="3018797" y="3077054"/>
+            <a:ext cx="2173947" cy="914400"/>
+          </a:xfrm>
+          <a:prstGeom prst="roundRect">
+            <a:avLst/>
+          </a:prstGeom>
+          <a:solidFill>
+            <a:srgbClr val="FF99FF"/>
+          </a:solidFill>
+          <a:ln>
+            <a:solidFill>
+              <a:srgbClr val="FF66FF"/>
+            </a:solidFill>
+          </a:ln>
+        </p:spPr>
+        <p:style>
+          <a:lnRef idx="2">
+            <a:schemeClr val="accent1">
+              <a:shade val="50000"/>
+            </a:schemeClr>
+          </a:lnRef>
+          <a:fillRef idx="1">
+            <a:schemeClr val="accent1"/>
+          </a:fillRef>
+          <a:effectRef idx="0">
+            <a:schemeClr val="accent1"/>
+          </a:effectRef>
+          <a:fontRef idx="minor">
+            <a:schemeClr val="lt1"/>
+          </a:fontRef>
+        </p:style>
+        <p:txBody>
+          <a:bodyPr rtlCol="0" anchor="ctr"/>
+          <a:lstStyle/>
+          <a:p>
+            <a:pPr algn="ctr"/>
+            <a:r>
+              <a:rPr lang="en-GB" dirty="0"/>
+              <a:t>Scenario selection</a:t>
+            </a:r>
+          </a:p>
+        </p:txBody>
+      </p:sp>
+      <p:sp>
+        <p:nvSpPr>
+          <p:cNvPr id="10" name="Rectangle: Rounded Corners 9">
+            <a:extLst>
+              <a:ext uri="{FF2B5EF4-FFF2-40B4-BE49-F238E27FC236}">
+                <a16:creationId xmlns:a16="http://schemas.microsoft.com/office/drawing/2014/main" id="{A671B969-CAE0-41DD-95D3-D42E4445ECED}"/>
+              </a:ext>
+            </a:extLst>
+          </p:cNvPr>
+          <p:cNvSpPr/>
+          <p:nvPr/>
+        </p:nvSpPr>
+        <p:spPr>
+          <a:xfrm>
+            <a:off x="7063728" y="4726019"/>
+            <a:ext cx="2173947" cy="914400"/>
+          </a:xfrm>
+          <a:prstGeom prst="roundRect">
+            <a:avLst/>
+          </a:prstGeom>
+          <a:solidFill>
+            <a:srgbClr val="FF99FF"/>
+          </a:solidFill>
+          <a:ln>
+            <a:solidFill>
+              <a:srgbClr val="FF66FF"/>
+            </a:solidFill>
+          </a:ln>
+        </p:spPr>
+        <p:style>
+          <a:lnRef idx="2">
+            <a:schemeClr val="accent1">
+              <a:shade val="50000"/>
+            </a:schemeClr>
+          </a:lnRef>
+          <a:fillRef idx="1">
+            <a:schemeClr val="accent1"/>
+          </a:fillRef>
+          <a:effectRef idx="0">
+            <a:schemeClr val="accent1"/>
+          </a:effectRef>
+          <a:fontRef idx="minor">
+            <a:schemeClr val="lt1"/>
+          </a:fontRef>
+        </p:style>
+        <p:txBody>
+          <a:bodyPr rtlCol="0" anchor="ctr"/>
+          <a:lstStyle/>
+          <a:p>
+            <a:pPr algn="ctr"/>
+            <a:r>
+              <a:rPr lang="en-GB" dirty="0"/>
+              <a:t>Re-evaluate with all formulations</a:t>
+            </a:r>
+          </a:p>
+        </p:txBody>
+      </p:sp>
+      <p:cxnSp>
+        <p:nvCxnSpPr>
+          <p:cNvPr id="11" name="Straight Arrow Connector 10">
+            <a:extLst>
+              <a:ext uri="{FF2B5EF4-FFF2-40B4-BE49-F238E27FC236}">
+                <a16:creationId xmlns:a16="http://schemas.microsoft.com/office/drawing/2014/main" id="{21D8FFE2-7B9C-4D45-9008-CB69AF49512E}"/>
+              </a:ext>
+            </a:extLst>
+          </p:cNvPr>
+          <p:cNvCxnSpPr>
+            <a:cxnSpLocks/>
+            <a:stCxn id="6" idx="1"/>
+            <a:endCxn id="57" idx="3"/>
+          </p:cNvCxnSpPr>
+          <p:nvPr/>
+        </p:nvCxnSpPr>
+        <p:spPr>
+          <a:xfrm flipH="1">
+            <a:off x="5341387" y="509772"/>
+            <a:ext cx="1416043" cy="11994"/>
+          </a:xfrm>
+          <a:prstGeom prst="straightConnector1">
+            <a:avLst/>
+          </a:prstGeom>
+          <a:ln>
+            <a:solidFill>
+              <a:srgbClr val="FF66FF"/>
+            </a:solidFill>
+            <a:tailEnd type="triangle"/>
+          </a:ln>
+        </p:spPr>
+        <p:style>
+          <a:lnRef idx="1">
+            <a:schemeClr val="accent1"/>
+          </a:lnRef>
+          <a:fillRef idx="0">
+            <a:schemeClr val="accent1"/>
+          </a:fillRef>
+          <a:effectRef idx="0">
+            <a:schemeClr val="accent1"/>
+          </a:effectRef>
+          <a:fontRef idx="minor">
+            <a:schemeClr val="tx1"/>
+          </a:fontRef>
+        </p:style>
+      </p:cxnSp>
+      <p:cxnSp>
+        <p:nvCxnSpPr>
+          <p:cNvPr id="14" name="Straight Arrow Connector 13">
+            <a:extLst>
+              <a:ext uri="{FF2B5EF4-FFF2-40B4-BE49-F238E27FC236}">
+                <a16:creationId xmlns:a16="http://schemas.microsoft.com/office/drawing/2014/main" id="{CF797E52-2C10-45A5-B9AC-2D7818119940}"/>
+              </a:ext>
+            </a:extLst>
+          </p:cNvPr>
+          <p:cNvCxnSpPr>
+            <a:cxnSpLocks/>
+            <a:stCxn id="7" idx="2"/>
+            <a:endCxn id="9" idx="0"/>
+          </p:cNvCxnSpPr>
+          <p:nvPr/>
+        </p:nvCxnSpPr>
+        <p:spPr>
+          <a:xfrm flipH="1">
+            <a:off x="4105771" y="2719444"/>
+            <a:ext cx="3" cy="357610"/>
+          </a:xfrm>
+          <a:prstGeom prst="straightConnector1">
+            <a:avLst/>
+          </a:prstGeom>
+          <a:ln>
+            <a:solidFill>
+              <a:srgbClr val="FF66FF"/>
+            </a:solidFill>
+            <a:tailEnd type="triangle"/>
+          </a:ln>
+        </p:spPr>
+        <p:style>
+          <a:lnRef idx="1">
+            <a:schemeClr val="accent1"/>
+          </a:lnRef>
+          <a:fillRef idx="0">
+            <a:schemeClr val="accent1"/>
+          </a:fillRef>
+          <a:effectRef idx="0">
+            <a:schemeClr val="accent1"/>
+          </a:effectRef>
+          <a:fontRef idx="minor">
+            <a:schemeClr val="tx1"/>
+          </a:fontRef>
+        </p:style>
+      </p:cxnSp>
+      <p:cxnSp>
+        <p:nvCxnSpPr>
+          <p:cNvPr id="18" name="Straight Arrow Connector 17">
+            <a:extLst>
+              <a:ext uri="{FF2B5EF4-FFF2-40B4-BE49-F238E27FC236}">
+                <a16:creationId xmlns:a16="http://schemas.microsoft.com/office/drawing/2014/main" id="{DAA52BA8-4EE6-438E-A782-65AAAA75A288}"/>
+              </a:ext>
+            </a:extLst>
+          </p:cNvPr>
+          <p:cNvCxnSpPr>
+            <a:cxnSpLocks/>
+            <a:stCxn id="9" idx="2"/>
+            <a:endCxn id="4" idx="0"/>
+          </p:cNvCxnSpPr>
+          <p:nvPr/>
+        </p:nvCxnSpPr>
+        <p:spPr>
+          <a:xfrm>
+            <a:off x="4105771" y="3991454"/>
+            <a:ext cx="1" cy="353415"/>
+          </a:xfrm>
+          <a:prstGeom prst="straightConnector1">
+            <a:avLst/>
+          </a:prstGeom>
+          <a:ln>
+            <a:solidFill>
+              <a:srgbClr val="FF66FF"/>
+            </a:solidFill>
+            <a:tailEnd type="triangle"/>
+          </a:ln>
+        </p:spPr>
+        <p:style>
+          <a:lnRef idx="1">
+            <a:schemeClr val="accent1"/>
+          </a:lnRef>
+          <a:fillRef idx="0">
+            <a:schemeClr val="accent1"/>
+          </a:fillRef>
+          <a:effectRef idx="0">
+            <a:schemeClr val="accent1"/>
+          </a:effectRef>
+          <a:fontRef idx="minor">
+            <a:schemeClr val="tx1"/>
+          </a:fontRef>
+        </p:style>
+      </p:cxnSp>
+      <p:cxnSp>
+        <p:nvCxnSpPr>
+          <p:cNvPr id="20" name="Straight Arrow Connector 19">
+            <a:extLst>
+              <a:ext uri="{FF2B5EF4-FFF2-40B4-BE49-F238E27FC236}">
+                <a16:creationId xmlns:a16="http://schemas.microsoft.com/office/drawing/2014/main" id="{19455701-E97F-435A-A74C-FF42EAD4A8D7}"/>
+              </a:ext>
+            </a:extLst>
+          </p:cNvPr>
+          <p:cNvCxnSpPr>
+            <a:cxnSpLocks/>
+            <a:endCxn id="10" idx="1"/>
+          </p:cNvCxnSpPr>
+          <p:nvPr/>
+        </p:nvCxnSpPr>
+        <p:spPr>
+          <a:xfrm flipV="1">
+            <a:off x="6451132" y="5183219"/>
+            <a:ext cx="612596" cy="11075"/>
+          </a:xfrm>
+          <a:prstGeom prst="straightConnector1">
+            <a:avLst/>
+          </a:prstGeom>
+          <a:ln>
+            <a:solidFill>
+              <a:srgbClr val="FF66FF"/>
+            </a:solidFill>
+            <a:tailEnd type="triangle"/>
+          </a:ln>
+        </p:spPr>
+        <p:style>
+          <a:lnRef idx="1">
+            <a:schemeClr val="accent1"/>
+          </a:lnRef>
+          <a:fillRef idx="0">
+            <a:schemeClr val="accent1"/>
+          </a:fillRef>
+          <a:effectRef idx="0">
+            <a:schemeClr val="accent1"/>
+          </a:effectRef>
+          <a:fontRef idx="minor">
+            <a:schemeClr val="tx1"/>
+          </a:fontRef>
+        </p:style>
+      </p:cxnSp>
+      <p:sp>
+        <p:nvSpPr>
+          <p:cNvPr id="28" name="Rectangle: Rounded Corners 27">
+            <a:extLst>
+              <a:ext uri="{FF2B5EF4-FFF2-40B4-BE49-F238E27FC236}">
+                <a16:creationId xmlns:a16="http://schemas.microsoft.com/office/drawing/2014/main" id="{63F53F9E-6AAC-41B9-8D6B-1F8E67B5E5E7}"/>
+              </a:ext>
+            </a:extLst>
+          </p:cNvPr>
+          <p:cNvSpPr/>
+          <p:nvPr/>
+        </p:nvSpPr>
+        <p:spPr>
+          <a:xfrm>
+            <a:off x="2057697" y="1484850"/>
+            <a:ext cx="4393435" cy="5235123"/>
+          </a:xfrm>
+          <a:prstGeom prst="roundRect">
+            <a:avLst/>
+          </a:prstGeom>
+          <a:noFill/>
+          <a:ln>
+            <a:solidFill>
+              <a:srgbClr val="FF66FF"/>
+            </a:solidFill>
+          </a:ln>
+        </p:spPr>
+        <p:style>
+          <a:lnRef idx="2">
+            <a:schemeClr val="accent1">
+              <a:shade val="50000"/>
+            </a:schemeClr>
+          </a:lnRef>
+          <a:fillRef idx="1">
+            <a:schemeClr val="accent1"/>
+          </a:fillRef>
+          <a:effectRef idx="0">
+            <a:schemeClr val="accent1"/>
+          </a:effectRef>
+          <a:fontRef idx="minor">
+            <a:schemeClr val="lt1"/>
+          </a:fontRef>
+        </p:style>
+        <p:txBody>
+          <a:bodyPr rtlCol="0" anchor="ctr"/>
+          <a:lstStyle/>
+          <a:p>
+            <a:pPr algn="ctr"/>
+            <a:endParaRPr lang="en-GB"/>
+          </a:p>
+        </p:txBody>
+      </p:sp>
+      <p:sp>
+        <p:nvSpPr>
+          <p:cNvPr id="29" name="TextBox 28">
+            <a:extLst>
+              <a:ext uri="{FF2B5EF4-FFF2-40B4-BE49-F238E27FC236}">
+                <a16:creationId xmlns:a16="http://schemas.microsoft.com/office/drawing/2014/main" id="{25E1C85C-A466-4328-BA7A-3B578ABB6B64}"/>
+              </a:ext>
+            </a:extLst>
+          </p:cNvPr>
+          <p:cNvSpPr txBox="1"/>
+          <p:nvPr/>
+        </p:nvSpPr>
+        <p:spPr>
+          <a:xfrm>
+            <a:off x="2197944" y="1164658"/>
+            <a:ext cx="1976760" cy="369332"/>
+          </a:xfrm>
+          <a:prstGeom prst="rect">
+            <a:avLst/>
+          </a:prstGeom>
+          <a:noFill/>
+        </p:spPr>
+        <p:txBody>
+          <a:bodyPr wrap="none" rtlCol="0">
+            <a:spAutoFit/>
+          </a:bodyPr>
+          <a:lstStyle/>
+          <a:p>
+            <a:r>
+              <a:rPr lang="en-GB" dirty="0">
+                <a:solidFill>
+                  <a:srgbClr val="FF66FF"/>
+                </a:solidFill>
+              </a:rPr>
+              <a:t>For </a:t>
+            </a:r>
+            <a:r>
+              <a:rPr lang="en-GB" dirty="0" err="1">
+                <a:solidFill>
+                  <a:srgbClr val="FF66FF"/>
+                </a:solidFill>
+              </a:rPr>
+              <a:t>i</a:t>
+            </a:r>
+            <a:r>
+              <a:rPr lang="en-GB" dirty="0">
+                <a:solidFill>
+                  <a:srgbClr val="FF66FF"/>
+                </a:solidFill>
+              </a:rPr>
+              <a:t> in rival frames</a:t>
+            </a:r>
+          </a:p>
+        </p:txBody>
+      </p:sp>
+      <p:sp>
+        <p:nvSpPr>
+          <p:cNvPr id="36" name="Rectangle: Rounded Corners 35">
+            <a:extLst>
+              <a:ext uri="{FF2B5EF4-FFF2-40B4-BE49-F238E27FC236}">
+                <a16:creationId xmlns:a16="http://schemas.microsoft.com/office/drawing/2014/main" id="{EC7979F9-E0CC-4BD6-B314-9EF6B07233C4}"/>
+              </a:ext>
+            </a:extLst>
+          </p:cNvPr>
+          <p:cNvSpPr/>
+          <p:nvPr/>
+        </p:nvSpPr>
+        <p:spPr>
+          <a:xfrm>
+            <a:off x="3018798" y="5693342"/>
+            <a:ext cx="2173947" cy="914400"/>
+          </a:xfrm>
+          <a:prstGeom prst="roundRect">
+            <a:avLst/>
+          </a:prstGeom>
+          <a:solidFill>
+            <a:srgbClr val="FF99FF"/>
+          </a:solidFill>
+          <a:ln>
+            <a:solidFill>
+              <a:srgbClr val="FF66FF"/>
+            </a:solidFill>
+          </a:ln>
+        </p:spPr>
+        <p:style>
+          <a:lnRef idx="2">
+            <a:schemeClr val="accent1">
+              <a:shade val="50000"/>
+            </a:schemeClr>
+          </a:lnRef>
+          <a:fillRef idx="1">
+            <a:schemeClr val="accent1"/>
+          </a:fillRef>
+          <a:effectRef idx="0">
+            <a:schemeClr val="accent1"/>
+          </a:effectRef>
+          <a:fontRef idx="minor">
+            <a:schemeClr val="lt1"/>
+          </a:fontRef>
+        </p:style>
+        <p:txBody>
+          <a:bodyPr rtlCol="0" anchor="ctr"/>
+          <a:lstStyle/>
+          <a:p>
+            <a:pPr algn="ctr"/>
+            <a:r>
+              <a:rPr lang="en-GB" dirty="0"/>
+              <a:t>Sensitivity analysis</a:t>
+            </a:r>
+          </a:p>
+        </p:txBody>
+      </p:sp>
+      <p:cxnSp>
+        <p:nvCxnSpPr>
+          <p:cNvPr id="43" name="Straight Arrow Connector 42">
+            <a:extLst>
+              <a:ext uri="{FF2B5EF4-FFF2-40B4-BE49-F238E27FC236}">
+                <a16:creationId xmlns:a16="http://schemas.microsoft.com/office/drawing/2014/main" id="{27329A8A-4C26-409E-8394-123011A73D5D}"/>
+              </a:ext>
+            </a:extLst>
+          </p:cNvPr>
+          <p:cNvCxnSpPr>
+            <a:cxnSpLocks/>
+            <a:stCxn id="4" idx="2"/>
+            <a:endCxn id="36" idx="0"/>
+          </p:cNvCxnSpPr>
+          <p:nvPr/>
+        </p:nvCxnSpPr>
+        <p:spPr>
+          <a:xfrm>
+            <a:off x="4105772" y="5259269"/>
+            <a:ext cx="0" cy="434073"/>
+          </a:xfrm>
+          <a:prstGeom prst="straightConnector1">
+            <a:avLst/>
+          </a:prstGeom>
+          <a:ln>
+            <a:solidFill>
+              <a:srgbClr val="FF66FF"/>
+            </a:solidFill>
+            <a:tailEnd type="triangle"/>
+          </a:ln>
+        </p:spPr>
+        <p:style>
+          <a:lnRef idx="1">
+            <a:schemeClr val="accent1"/>
+          </a:lnRef>
+          <a:fillRef idx="0">
+            <a:schemeClr val="accent1"/>
+          </a:fillRef>
+          <a:effectRef idx="0">
+            <a:schemeClr val="accent1"/>
+          </a:effectRef>
+          <a:fontRef idx="minor">
+            <a:schemeClr val="tx1"/>
+          </a:fontRef>
+        </p:style>
+      </p:cxnSp>
+      <p:sp>
+        <p:nvSpPr>
+          <p:cNvPr id="47" name="TextBox 46">
+            <a:extLst>
+              <a:ext uri="{FF2B5EF4-FFF2-40B4-BE49-F238E27FC236}">
+                <a16:creationId xmlns:a16="http://schemas.microsoft.com/office/drawing/2014/main" id="{77452359-2F0A-4EB0-8C01-2C93C6DDD89B}"/>
+              </a:ext>
+            </a:extLst>
+          </p:cNvPr>
+          <p:cNvSpPr txBox="1"/>
+          <p:nvPr/>
+        </p:nvSpPr>
+        <p:spPr>
+          <a:xfrm>
+            <a:off x="5434571" y="578589"/>
+            <a:ext cx="3358420" cy="369332"/>
+          </a:xfrm>
+          <a:prstGeom prst="rect">
+            <a:avLst/>
+          </a:prstGeom>
+          <a:noFill/>
+        </p:spPr>
+        <p:txBody>
+          <a:bodyPr wrap="none" rtlCol="0">
+            <a:spAutoFit/>
+          </a:bodyPr>
+          <a:lstStyle/>
+          <a:p>
+            <a:r>
+              <a:rPr lang="en-GB" dirty="0"/>
+              <a:t>So we have generated n scenarios</a:t>
+            </a:r>
+          </a:p>
+        </p:txBody>
+      </p:sp>
+      <p:sp>
+        <p:nvSpPr>
+          <p:cNvPr id="48" name="TextBox 47">
+            <a:extLst>
+              <a:ext uri="{FF2B5EF4-FFF2-40B4-BE49-F238E27FC236}">
+                <a16:creationId xmlns:a16="http://schemas.microsoft.com/office/drawing/2014/main" id="{05FDEDAB-EFF9-4069-B671-CB2F9B073398}"/>
+              </a:ext>
+            </a:extLst>
+          </p:cNvPr>
+          <p:cNvSpPr txBox="1"/>
+          <p:nvPr/>
+        </p:nvSpPr>
+        <p:spPr>
+          <a:xfrm>
+            <a:off x="4142727" y="2703358"/>
+            <a:ext cx="5124736" cy="369332"/>
+          </a:xfrm>
+          <a:prstGeom prst="rect">
+            <a:avLst/>
+          </a:prstGeom>
+          <a:noFill/>
+        </p:spPr>
+        <p:txBody>
+          <a:bodyPr wrap="none" rtlCol="0">
+            <a:spAutoFit/>
+          </a:bodyPr>
+          <a:lstStyle/>
+          <a:p>
+            <a:r>
+              <a:rPr lang="en-GB" dirty="0"/>
+              <a:t>Subset of most-likely scenarios worst for rival frame </a:t>
+            </a:r>
+            <a:r>
+              <a:rPr lang="en-GB" dirty="0" err="1"/>
+              <a:t>i</a:t>
+            </a:r>
+            <a:endParaRPr lang="en-GB" dirty="0"/>
+          </a:p>
+        </p:txBody>
+      </p:sp>
+      <p:sp>
+        <p:nvSpPr>
+          <p:cNvPr id="49" name="TextBox 48">
+            <a:extLst>
+              <a:ext uri="{FF2B5EF4-FFF2-40B4-BE49-F238E27FC236}">
+                <a16:creationId xmlns:a16="http://schemas.microsoft.com/office/drawing/2014/main" id="{80C49EAB-5E1E-4EE3-93BF-D2BF82901B1D}"/>
+              </a:ext>
+            </a:extLst>
+          </p:cNvPr>
+          <p:cNvSpPr txBox="1"/>
+          <p:nvPr/>
+        </p:nvSpPr>
+        <p:spPr>
+          <a:xfrm>
+            <a:off x="4088579" y="3961576"/>
+            <a:ext cx="3466718" cy="369332"/>
+          </a:xfrm>
+          <a:prstGeom prst="rect">
+            <a:avLst/>
+          </a:prstGeom>
+          <a:noFill/>
+        </p:spPr>
+        <p:txBody>
+          <a:bodyPr wrap="none" rtlCol="0">
+            <a:spAutoFit/>
+          </a:bodyPr>
+          <a:lstStyle/>
+          <a:p>
+            <a:r>
+              <a:rPr lang="en-GB" dirty="0"/>
+              <a:t>We select a subset from the subset</a:t>
+            </a:r>
+          </a:p>
+        </p:txBody>
+      </p:sp>
+      <p:sp>
+        <p:nvSpPr>
+          <p:cNvPr id="50" name="TextBox 49">
+            <a:extLst>
+              <a:ext uri="{FF2B5EF4-FFF2-40B4-BE49-F238E27FC236}">
+                <a16:creationId xmlns:a16="http://schemas.microsoft.com/office/drawing/2014/main" id="{828DABEA-F382-4614-9A1C-9B2D4098F731}"/>
+              </a:ext>
+            </a:extLst>
+          </p:cNvPr>
+          <p:cNvSpPr txBox="1"/>
+          <p:nvPr/>
+        </p:nvSpPr>
+        <p:spPr>
+          <a:xfrm>
+            <a:off x="4088580" y="5263802"/>
+            <a:ext cx="1485087" cy="369332"/>
+          </a:xfrm>
+          <a:prstGeom prst="rect">
+            <a:avLst/>
+          </a:prstGeom>
+          <a:noFill/>
+        </p:spPr>
+        <p:txBody>
+          <a:bodyPr wrap="none" rtlCol="0">
+            <a:spAutoFit/>
+          </a:bodyPr>
+          <a:lstStyle/>
+          <a:p>
+            <a:r>
+              <a:rPr lang="en-GB" dirty="0"/>
+              <a:t>Set of policies</a:t>
+            </a:r>
+          </a:p>
+        </p:txBody>
+      </p:sp>
+      <p:sp>
+        <p:nvSpPr>
+          <p:cNvPr id="51" name="TextBox 50">
+            <a:extLst>
+              <a:ext uri="{FF2B5EF4-FFF2-40B4-BE49-F238E27FC236}">
+                <a16:creationId xmlns:a16="http://schemas.microsoft.com/office/drawing/2014/main" id="{F70D206F-EDEC-4FD8-AE54-3DF00052494F}"/>
+              </a:ext>
+            </a:extLst>
+          </p:cNvPr>
+          <p:cNvSpPr txBox="1"/>
+          <p:nvPr/>
+        </p:nvSpPr>
+        <p:spPr>
+          <a:xfrm>
+            <a:off x="5159147" y="6380745"/>
+            <a:ext cx="3081806" cy="369332"/>
+          </a:xfrm>
+          <a:prstGeom prst="rect">
+            <a:avLst/>
+          </a:prstGeom>
+          <a:noFill/>
+        </p:spPr>
+        <p:txBody>
+          <a:bodyPr wrap="none" rtlCol="0">
+            <a:spAutoFit/>
+          </a:bodyPr>
+          <a:lstStyle/>
+          <a:p>
+            <a:r>
+              <a:rPr lang="en-GB" dirty="0"/>
+              <a:t>Get an idea of their robustness</a:t>
+            </a:r>
+          </a:p>
+        </p:txBody>
+      </p:sp>
+      <p:sp>
+        <p:nvSpPr>
+          <p:cNvPr id="52" name="TextBox 51">
+            <a:extLst>
+              <a:ext uri="{FF2B5EF4-FFF2-40B4-BE49-F238E27FC236}">
+                <a16:creationId xmlns:a16="http://schemas.microsoft.com/office/drawing/2014/main" id="{5797449B-FFB3-4AB9-981D-C58DE687CC8C}"/>
+              </a:ext>
+            </a:extLst>
+          </p:cNvPr>
+          <p:cNvSpPr txBox="1"/>
+          <p:nvPr/>
+        </p:nvSpPr>
+        <p:spPr>
+          <a:xfrm>
+            <a:off x="8854924" y="4359403"/>
+            <a:ext cx="1762021" cy="369332"/>
+          </a:xfrm>
+          <a:prstGeom prst="rect">
+            <a:avLst/>
+          </a:prstGeom>
+          <a:noFill/>
+        </p:spPr>
+        <p:txBody>
+          <a:bodyPr wrap="none" rtlCol="0">
+            <a:spAutoFit/>
+          </a:bodyPr>
+          <a:lstStyle/>
+          <a:p>
+            <a:r>
+              <a:rPr lang="en-GB" dirty="0"/>
+              <a:t>Comparing them</a:t>
+            </a:r>
+          </a:p>
+        </p:txBody>
+      </p:sp>
+      <p:sp>
+        <p:nvSpPr>
+          <p:cNvPr id="57" name="Rectangle: Rounded Corners 56">
+            <a:extLst>
+              <a:ext uri="{FF2B5EF4-FFF2-40B4-BE49-F238E27FC236}">
+                <a16:creationId xmlns:a16="http://schemas.microsoft.com/office/drawing/2014/main" id="{0B4A732C-A3C7-443D-999D-3FDC3D50621F}"/>
+              </a:ext>
+            </a:extLst>
+          </p:cNvPr>
+          <p:cNvSpPr/>
+          <p:nvPr/>
+        </p:nvSpPr>
+        <p:spPr>
+          <a:xfrm>
+            <a:off x="3167440" y="64566"/>
+            <a:ext cx="2173947" cy="914400"/>
+          </a:xfrm>
+          <a:prstGeom prst="roundRect">
+            <a:avLst/>
+          </a:prstGeom>
+          <a:solidFill>
+            <a:srgbClr val="FF99FF"/>
+          </a:solidFill>
+          <a:ln>
+            <a:solidFill>
+              <a:srgbClr val="FF66FF"/>
+            </a:solidFill>
+          </a:ln>
+        </p:spPr>
+        <p:style>
+          <a:lnRef idx="2">
+            <a:schemeClr val="accent1">
+              <a:shade val="50000"/>
+            </a:schemeClr>
+          </a:lnRef>
+          <a:fillRef idx="1">
+            <a:schemeClr val="accent1"/>
+          </a:fillRef>
+          <a:effectRef idx="0">
+            <a:schemeClr val="accent1"/>
+          </a:effectRef>
+          <a:fontRef idx="minor">
+            <a:schemeClr val="lt1"/>
+          </a:fontRef>
+        </p:style>
+        <p:txBody>
+          <a:bodyPr rtlCol="0" anchor="ctr"/>
+          <a:lstStyle/>
+          <a:p>
+            <a:pPr algn="ctr"/>
+            <a:r>
+              <a:rPr lang="en-GB" dirty="0"/>
+              <a:t>Processing scenarios</a:t>
+            </a:r>
+          </a:p>
+        </p:txBody>
+      </p:sp>
+      <p:cxnSp>
+        <p:nvCxnSpPr>
+          <p:cNvPr id="61" name="Straight Arrow Connector 60">
+            <a:extLst>
+              <a:ext uri="{FF2B5EF4-FFF2-40B4-BE49-F238E27FC236}">
+                <a16:creationId xmlns:a16="http://schemas.microsoft.com/office/drawing/2014/main" id="{0CF097C6-95BB-4978-A515-FFCC82937015}"/>
+              </a:ext>
+            </a:extLst>
+          </p:cNvPr>
+          <p:cNvCxnSpPr>
+            <a:cxnSpLocks/>
+            <a:stCxn id="57" idx="2"/>
+            <a:endCxn id="28" idx="0"/>
+          </p:cNvCxnSpPr>
+          <p:nvPr/>
+        </p:nvCxnSpPr>
+        <p:spPr>
+          <a:xfrm>
+            <a:off x="4254414" y="978966"/>
+            <a:ext cx="1" cy="505884"/>
+          </a:xfrm>
+          <a:prstGeom prst="straightConnector1">
+            <a:avLst/>
+          </a:prstGeom>
+          <a:ln>
+            <a:solidFill>
+              <a:srgbClr val="FF66FF"/>
+            </a:solidFill>
+            <a:tailEnd type="triangle"/>
+          </a:ln>
+        </p:spPr>
+        <p:style>
+          <a:lnRef idx="1">
+            <a:schemeClr val="accent1"/>
+          </a:lnRef>
+          <a:fillRef idx="0">
+            <a:schemeClr val="accent1"/>
+          </a:fillRef>
+          <a:effectRef idx="0">
+            <a:schemeClr val="accent1"/>
+          </a:effectRef>
+          <a:fontRef idx="minor">
+            <a:schemeClr val="tx1"/>
+          </a:fontRef>
+        </p:style>
+      </p:cxnSp>
+      <p:sp>
+        <p:nvSpPr>
+          <p:cNvPr id="66" name="TextBox 65">
+            <a:extLst>
+              <a:ext uri="{FF2B5EF4-FFF2-40B4-BE49-F238E27FC236}">
+                <a16:creationId xmlns:a16="http://schemas.microsoft.com/office/drawing/2014/main" id="{476D4D55-59D5-45B9-8E3B-302D3FB0A9A7}"/>
+              </a:ext>
+            </a:extLst>
+          </p:cNvPr>
+          <p:cNvSpPr txBox="1"/>
+          <p:nvPr/>
+        </p:nvSpPr>
+        <p:spPr>
+          <a:xfrm>
+            <a:off x="4416790" y="1115518"/>
+            <a:ext cx="6946069" cy="369332"/>
+          </a:xfrm>
+          <a:prstGeom prst="rect">
+            <a:avLst/>
+          </a:prstGeom>
+          <a:noFill/>
+        </p:spPr>
+        <p:txBody>
+          <a:bodyPr wrap="none" rtlCol="0">
+            <a:spAutoFit/>
+          </a:bodyPr>
+          <a:lstStyle/>
+          <a:p>
+            <a:r>
+              <a:rPr lang="en-GB" dirty="0"/>
+              <a:t>We did some processing on the independent variables to allow for PRIM</a:t>
+            </a:r>
+          </a:p>
+        </p:txBody>
+      </p:sp>
+    </p:spTree>
+    <p:extLst>
+      <p:ext uri="{BB962C8B-B14F-4D97-AF65-F5344CB8AC3E}">
+        <p14:creationId xmlns:p14="http://schemas.microsoft.com/office/powerpoint/2010/main" val="2279863227"/>
+      </p:ext>
+    </p:extLst>
+  </p:cSld>
+  <p:clrMapOvr>
+    <a:masterClrMapping/>
+  </p:clrMapOvr>
+</p:sld>
+</file>
+
+<file path=ppt/slides/slide4.xml><?xml version="1.0" encoding="utf-8"?>
+<p:sld xmlns:a="http://schemas.openxmlformats.org/drawingml/2006/main" xmlns:r="http://schemas.openxmlformats.org/officeDocument/2006/relationships" xmlns:p="http://schemas.openxmlformats.org/presentationml/2006/main">
+  <p:cSld>
+    <p:spTree>
+      <p:nvGrpSpPr>
+        <p:cNvPr id="1" name=""/>
+        <p:cNvGrpSpPr/>
+        <p:nvPr/>
+      </p:nvGrpSpPr>
+      <p:grpSpPr>
+        <a:xfrm>
+          <a:off x="0" y="0"/>
+          <a:ext cx="0" cy="0"/>
+          <a:chOff x="0" y="0"/>
+          <a:chExt cx="0" cy="0"/>
+        </a:xfrm>
+      </p:grpSpPr>
+      <p:sp>
+        <p:nvSpPr>
+          <p:cNvPr id="4" name="Rectangle: Rounded Corners 3">
+            <a:extLst>
+              <a:ext uri="{FF2B5EF4-FFF2-40B4-BE49-F238E27FC236}">
+                <a16:creationId xmlns:a16="http://schemas.microsoft.com/office/drawing/2014/main" id="{E3A057C4-3755-4332-A1B4-79DDB1E9294E}"/>
+              </a:ext>
+            </a:extLst>
+          </p:cNvPr>
+          <p:cNvSpPr/>
+          <p:nvPr/>
+        </p:nvSpPr>
+        <p:spPr>
+          <a:xfrm>
+            <a:off x="3018798" y="4344869"/>
+            <a:ext cx="2173947" cy="914400"/>
+          </a:xfrm>
+          <a:prstGeom prst="roundRect">
+            <a:avLst/>
+          </a:prstGeom>
+          <a:solidFill>
+            <a:srgbClr val="FF99FF"/>
+          </a:solidFill>
+          <a:ln>
+            <a:solidFill>
+              <a:srgbClr val="FF66FF"/>
+            </a:solidFill>
+          </a:ln>
+        </p:spPr>
+        <p:style>
+          <a:lnRef idx="2">
+            <a:schemeClr val="accent1">
+              <a:shade val="50000"/>
+            </a:schemeClr>
+          </a:lnRef>
+          <a:fillRef idx="1">
+            <a:schemeClr val="accent1"/>
+          </a:fillRef>
+          <a:effectRef idx="0">
+            <a:schemeClr val="accent1"/>
+          </a:effectRef>
+          <a:fontRef idx="minor">
+            <a:schemeClr val="lt1"/>
+          </a:fontRef>
+        </p:style>
+        <p:txBody>
+          <a:bodyPr rtlCol="0" anchor="ctr"/>
+          <a:lstStyle/>
+          <a:p>
+            <a:pPr algn="ctr"/>
+            <a:r>
+              <a:rPr lang="en-GB" dirty="0"/>
+              <a:t>Optimise to get policies</a:t>
+            </a:r>
+          </a:p>
+        </p:txBody>
+      </p:sp>
+      <p:sp>
+        <p:nvSpPr>
+          <p:cNvPr id="6" name="Rectangle: Rounded Corners 5">
+            <a:extLst>
+              <a:ext uri="{FF2B5EF4-FFF2-40B4-BE49-F238E27FC236}">
+                <a16:creationId xmlns:a16="http://schemas.microsoft.com/office/drawing/2014/main" id="{7BC2E0E6-289D-4D84-8001-4B264771F9B0}"/>
+              </a:ext>
+            </a:extLst>
+          </p:cNvPr>
+          <p:cNvSpPr/>
+          <p:nvPr/>
+        </p:nvSpPr>
+        <p:spPr>
+          <a:xfrm>
+            <a:off x="6757430" y="52572"/>
+            <a:ext cx="2173947" cy="914400"/>
+          </a:xfrm>
+          <a:prstGeom prst="roundRect">
+            <a:avLst/>
+          </a:prstGeom>
+          <a:solidFill>
+            <a:srgbClr val="FF99FF"/>
+          </a:solidFill>
+          <a:ln>
+            <a:solidFill>
+              <a:srgbClr val="FF66FF"/>
+            </a:solidFill>
+          </a:ln>
+        </p:spPr>
+        <p:style>
+          <a:lnRef idx="2">
+            <a:schemeClr val="accent1">
+              <a:shade val="50000"/>
+            </a:schemeClr>
+          </a:lnRef>
+          <a:fillRef idx="1">
+            <a:schemeClr val="accent1"/>
+          </a:fillRef>
+          <a:effectRef idx="0">
+            <a:schemeClr val="accent1"/>
+          </a:effectRef>
+          <a:fontRef idx="minor">
+            <a:schemeClr val="lt1"/>
+          </a:fontRef>
+        </p:style>
+        <p:txBody>
+          <a:bodyPr rtlCol="0" anchor="ctr"/>
+          <a:lstStyle/>
+          <a:p>
+            <a:pPr algn="ctr"/>
+            <a:r>
+              <a:rPr lang="en-GB" dirty="0"/>
+              <a:t>Generate scenarios</a:t>
+            </a:r>
+          </a:p>
+        </p:txBody>
+      </p:sp>
+      <p:sp>
+        <p:nvSpPr>
+          <p:cNvPr id="7" name="Rectangle: Rounded Corners 6">
+            <a:extLst>
+              <a:ext uri="{FF2B5EF4-FFF2-40B4-BE49-F238E27FC236}">
+                <a16:creationId xmlns:a16="http://schemas.microsoft.com/office/drawing/2014/main" id="{093A483B-CAB1-4235-B56F-A874793B09B8}"/>
+              </a:ext>
+            </a:extLst>
+          </p:cNvPr>
+          <p:cNvSpPr/>
+          <p:nvPr/>
+        </p:nvSpPr>
+        <p:spPr>
+          <a:xfrm>
+            <a:off x="3018800" y="1805044"/>
+            <a:ext cx="2173947" cy="914400"/>
+          </a:xfrm>
+          <a:prstGeom prst="roundRect">
+            <a:avLst/>
+          </a:prstGeom>
+          <a:solidFill>
+            <a:srgbClr val="FF99FF"/>
+          </a:solidFill>
+          <a:ln>
+            <a:solidFill>
+              <a:srgbClr val="FF66FF"/>
+            </a:solidFill>
+          </a:ln>
+        </p:spPr>
+        <p:style>
+          <a:lnRef idx="2">
+            <a:schemeClr val="accent1">
+              <a:shade val="50000"/>
+            </a:schemeClr>
+          </a:lnRef>
+          <a:fillRef idx="1">
+            <a:schemeClr val="accent1"/>
+          </a:fillRef>
+          <a:effectRef idx="0">
+            <a:schemeClr val="accent1"/>
+          </a:effectRef>
+          <a:fontRef idx="minor">
+            <a:schemeClr val="lt1"/>
+          </a:fontRef>
+        </p:style>
+        <p:txBody>
+          <a:bodyPr rtlCol="0" anchor="ctr"/>
+          <a:lstStyle/>
+          <a:p>
+            <a:pPr algn="ctr"/>
+            <a:r>
+              <a:rPr lang="en-GB" dirty="0"/>
+              <a:t>Identify the scary events</a:t>
+            </a:r>
+          </a:p>
+        </p:txBody>
+      </p:sp>
+      <p:sp>
+        <p:nvSpPr>
+          <p:cNvPr id="9" name="Rectangle: Rounded Corners 8">
+            <a:extLst>
+              <a:ext uri="{FF2B5EF4-FFF2-40B4-BE49-F238E27FC236}">
+                <a16:creationId xmlns:a16="http://schemas.microsoft.com/office/drawing/2014/main" id="{C208AF1D-48A0-44E1-B785-6F973A0D34D7}"/>
+              </a:ext>
+            </a:extLst>
+          </p:cNvPr>
+          <p:cNvSpPr/>
+          <p:nvPr/>
+        </p:nvSpPr>
+        <p:spPr>
+          <a:xfrm>
+            <a:off x="3018797" y="3077054"/>
+            <a:ext cx="2173947" cy="914400"/>
+          </a:xfrm>
+          <a:prstGeom prst="roundRect">
+            <a:avLst/>
+          </a:prstGeom>
+          <a:solidFill>
+            <a:srgbClr val="FF99FF"/>
+          </a:solidFill>
+          <a:ln>
+            <a:solidFill>
+              <a:srgbClr val="FF66FF"/>
+            </a:solidFill>
+          </a:ln>
+        </p:spPr>
+        <p:style>
+          <a:lnRef idx="2">
+            <a:schemeClr val="accent1">
+              <a:shade val="50000"/>
+            </a:schemeClr>
+          </a:lnRef>
+          <a:fillRef idx="1">
+            <a:schemeClr val="accent1"/>
+          </a:fillRef>
+          <a:effectRef idx="0">
+            <a:schemeClr val="accent1"/>
+          </a:effectRef>
+          <a:fontRef idx="minor">
+            <a:schemeClr val="lt1"/>
+          </a:fontRef>
+        </p:style>
+        <p:txBody>
+          <a:bodyPr rtlCol="0" anchor="ctr"/>
+          <a:lstStyle/>
+          <a:p>
+            <a:pPr algn="ctr"/>
+            <a:r>
+              <a:rPr lang="en-GB" dirty="0"/>
+              <a:t>Scenario selection</a:t>
+            </a:r>
+          </a:p>
+        </p:txBody>
+      </p:sp>
+      <p:sp>
+        <p:nvSpPr>
+          <p:cNvPr id="10" name="Rectangle: Rounded Corners 9">
+            <a:extLst>
+              <a:ext uri="{FF2B5EF4-FFF2-40B4-BE49-F238E27FC236}">
+                <a16:creationId xmlns:a16="http://schemas.microsoft.com/office/drawing/2014/main" id="{A671B969-CAE0-41DD-95D3-D42E4445ECED}"/>
+              </a:ext>
+            </a:extLst>
+          </p:cNvPr>
+          <p:cNvSpPr/>
+          <p:nvPr/>
+        </p:nvSpPr>
+        <p:spPr>
+          <a:xfrm>
+            <a:off x="7063728" y="4726019"/>
+            <a:ext cx="2173947" cy="914400"/>
+          </a:xfrm>
+          <a:prstGeom prst="roundRect">
+            <a:avLst/>
+          </a:prstGeom>
+          <a:solidFill>
+            <a:srgbClr val="FF99FF"/>
+          </a:solidFill>
+          <a:ln>
+            <a:solidFill>
+              <a:srgbClr val="FF66FF"/>
+            </a:solidFill>
+          </a:ln>
+        </p:spPr>
+        <p:style>
+          <a:lnRef idx="2">
+            <a:schemeClr val="accent1">
+              <a:shade val="50000"/>
+            </a:schemeClr>
+          </a:lnRef>
+          <a:fillRef idx="1">
+            <a:schemeClr val="accent1"/>
+          </a:fillRef>
+          <a:effectRef idx="0">
+            <a:schemeClr val="accent1"/>
+          </a:effectRef>
+          <a:fontRef idx="minor">
+            <a:schemeClr val="lt1"/>
+          </a:fontRef>
+        </p:style>
+        <p:txBody>
+          <a:bodyPr rtlCol="0" anchor="ctr"/>
+          <a:lstStyle/>
+          <a:p>
+            <a:pPr algn="ctr"/>
+            <a:r>
+              <a:rPr lang="en-GB" dirty="0"/>
+              <a:t>Re-evaluate with all formulations</a:t>
+            </a:r>
+          </a:p>
+        </p:txBody>
+      </p:sp>
+      <p:cxnSp>
+        <p:nvCxnSpPr>
+          <p:cNvPr id="11" name="Straight Arrow Connector 10">
+            <a:extLst>
+              <a:ext uri="{FF2B5EF4-FFF2-40B4-BE49-F238E27FC236}">
+                <a16:creationId xmlns:a16="http://schemas.microsoft.com/office/drawing/2014/main" id="{21D8FFE2-7B9C-4D45-9008-CB69AF49512E}"/>
+              </a:ext>
+            </a:extLst>
+          </p:cNvPr>
+          <p:cNvCxnSpPr>
+            <a:cxnSpLocks/>
+            <a:stCxn id="6" idx="1"/>
+            <a:endCxn id="57" idx="3"/>
+          </p:cNvCxnSpPr>
+          <p:nvPr/>
+        </p:nvCxnSpPr>
+        <p:spPr>
+          <a:xfrm flipH="1">
+            <a:off x="5341387" y="509772"/>
+            <a:ext cx="1416043" cy="11994"/>
+          </a:xfrm>
+          <a:prstGeom prst="straightConnector1">
+            <a:avLst/>
+          </a:prstGeom>
+          <a:ln>
+            <a:solidFill>
+              <a:srgbClr val="FF66FF"/>
+            </a:solidFill>
+            <a:tailEnd type="triangle"/>
+          </a:ln>
+        </p:spPr>
+        <p:style>
+          <a:lnRef idx="1">
+            <a:schemeClr val="accent1"/>
+          </a:lnRef>
+          <a:fillRef idx="0">
+            <a:schemeClr val="accent1"/>
+          </a:fillRef>
+          <a:effectRef idx="0">
+            <a:schemeClr val="accent1"/>
+          </a:effectRef>
+          <a:fontRef idx="minor">
+            <a:schemeClr val="tx1"/>
+          </a:fontRef>
+        </p:style>
+      </p:cxnSp>
+      <p:cxnSp>
+        <p:nvCxnSpPr>
+          <p:cNvPr id="14" name="Straight Arrow Connector 13">
+            <a:extLst>
+              <a:ext uri="{FF2B5EF4-FFF2-40B4-BE49-F238E27FC236}">
+                <a16:creationId xmlns:a16="http://schemas.microsoft.com/office/drawing/2014/main" id="{CF797E52-2C10-45A5-B9AC-2D7818119940}"/>
+              </a:ext>
+            </a:extLst>
+          </p:cNvPr>
+          <p:cNvCxnSpPr>
+            <a:cxnSpLocks/>
+            <a:stCxn id="7" idx="2"/>
+            <a:endCxn id="9" idx="0"/>
+          </p:cNvCxnSpPr>
+          <p:nvPr/>
+        </p:nvCxnSpPr>
+        <p:spPr>
+          <a:xfrm flipH="1">
+            <a:off x="4105771" y="2719444"/>
+            <a:ext cx="3" cy="357610"/>
+          </a:xfrm>
+          <a:prstGeom prst="straightConnector1">
+            <a:avLst/>
+          </a:prstGeom>
+          <a:ln>
+            <a:solidFill>
+              <a:srgbClr val="FF66FF"/>
+            </a:solidFill>
+            <a:tailEnd type="triangle"/>
+          </a:ln>
+        </p:spPr>
+        <p:style>
+          <a:lnRef idx="1">
+            <a:schemeClr val="accent1"/>
+          </a:lnRef>
+          <a:fillRef idx="0">
+            <a:schemeClr val="accent1"/>
+          </a:fillRef>
+          <a:effectRef idx="0">
+            <a:schemeClr val="accent1"/>
+          </a:effectRef>
+          <a:fontRef idx="minor">
+            <a:schemeClr val="tx1"/>
+          </a:fontRef>
+        </p:style>
+      </p:cxnSp>
+      <p:cxnSp>
+        <p:nvCxnSpPr>
+          <p:cNvPr id="18" name="Straight Arrow Connector 17">
+            <a:extLst>
+              <a:ext uri="{FF2B5EF4-FFF2-40B4-BE49-F238E27FC236}">
+                <a16:creationId xmlns:a16="http://schemas.microsoft.com/office/drawing/2014/main" id="{DAA52BA8-4EE6-438E-A782-65AAAA75A288}"/>
+              </a:ext>
+            </a:extLst>
+          </p:cNvPr>
+          <p:cNvCxnSpPr>
+            <a:cxnSpLocks/>
+            <a:stCxn id="9" idx="2"/>
+            <a:endCxn id="4" idx="0"/>
+          </p:cNvCxnSpPr>
+          <p:nvPr/>
+        </p:nvCxnSpPr>
+        <p:spPr>
+          <a:xfrm>
+            <a:off x="4105771" y="3991454"/>
+            <a:ext cx="1" cy="353415"/>
+          </a:xfrm>
+          <a:prstGeom prst="straightConnector1">
+            <a:avLst/>
+          </a:prstGeom>
+          <a:ln>
+            <a:solidFill>
+              <a:srgbClr val="FF66FF"/>
+            </a:solidFill>
+            <a:tailEnd type="triangle"/>
+          </a:ln>
+        </p:spPr>
+        <p:style>
+          <a:lnRef idx="1">
+            <a:schemeClr val="accent1"/>
+          </a:lnRef>
+          <a:fillRef idx="0">
+            <a:schemeClr val="accent1"/>
+          </a:fillRef>
+          <a:effectRef idx="0">
+            <a:schemeClr val="accent1"/>
+          </a:effectRef>
+          <a:fontRef idx="minor">
+            <a:schemeClr val="tx1"/>
+          </a:fontRef>
+        </p:style>
+      </p:cxnSp>
+      <p:cxnSp>
+        <p:nvCxnSpPr>
+          <p:cNvPr id="20" name="Straight Arrow Connector 19">
+            <a:extLst>
+              <a:ext uri="{FF2B5EF4-FFF2-40B4-BE49-F238E27FC236}">
+                <a16:creationId xmlns:a16="http://schemas.microsoft.com/office/drawing/2014/main" id="{19455701-E97F-435A-A74C-FF42EAD4A8D7}"/>
+              </a:ext>
+            </a:extLst>
+          </p:cNvPr>
+          <p:cNvCxnSpPr>
+            <a:cxnSpLocks/>
+            <a:endCxn id="10" idx="1"/>
+          </p:cNvCxnSpPr>
+          <p:nvPr/>
+        </p:nvCxnSpPr>
+        <p:spPr>
+          <a:xfrm flipV="1">
+            <a:off x="6451132" y="5183219"/>
+            <a:ext cx="612596" cy="11075"/>
+          </a:xfrm>
+          <a:prstGeom prst="straightConnector1">
+            <a:avLst/>
+          </a:prstGeom>
+          <a:ln>
+            <a:solidFill>
+              <a:srgbClr val="FF66FF"/>
+            </a:solidFill>
+            <a:tailEnd type="triangle"/>
+          </a:ln>
+        </p:spPr>
+        <p:style>
+          <a:lnRef idx="1">
+            <a:schemeClr val="accent1"/>
+          </a:lnRef>
+          <a:fillRef idx="0">
+            <a:schemeClr val="accent1"/>
+          </a:fillRef>
+          <a:effectRef idx="0">
+            <a:schemeClr val="accent1"/>
+          </a:effectRef>
+          <a:fontRef idx="minor">
+            <a:schemeClr val="tx1"/>
+          </a:fontRef>
+        </p:style>
+      </p:cxnSp>
+      <p:sp>
+        <p:nvSpPr>
+          <p:cNvPr id="28" name="Rectangle: Rounded Corners 27">
+            <a:extLst>
+              <a:ext uri="{FF2B5EF4-FFF2-40B4-BE49-F238E27FC236}">
+                <a16:creationId xmlns:a16="http://schemas.microsoft.com/office/drawing/2014/main" id="{63F53F9E-6AAC-41B9-8D6B-1F8E67B5E5E7}"/>
+              </a:ext>
+            </a:extLst>
+          </p:cNvPr>
+          <p:cNvSpPr/>
+          <p:nvPr/>
+        </p:nvSpPr>
+        <p:spPr>
+          <a:xfrm>
+            <a:off x="2057697" y="1484850"/>
+            <a:ext cx="4393435" cy="5235123"/>
+          </a:xfrm>
+          <a:prstGeom prst="roundRect">
+            <a:avLst/>
+          </a:prstGeom>
+          <a:noFill/>
+          <a:ln>
+            <a:solidFill>
+              <a:srgbClr val="FF66FF"/>
+            </a:solidFill>
+          </a:ln>
+        </p:spPr>
+        <p:style>
+          <a:lnRef idx="2">
+            <a:schemeClr val="accent1">
+              <a:shade val="50000"/>
+            </a:schemeClr>
+          </a:lnRef>
+          <a:fillRef idx="1">
+            <a:schemeClr val="accent1"/>
+          </a:fillRef>
+          <a:effectRef idx="0">
+            <a:schemeClr val="accent1"/>
+          </a:effectRef>
+          <a:fontRef idx="minor">
+            <a:schemeClr val="lt1"/>
+          </a:fontRef>
+        </p:style>
+        <p:txBody>
+          <a:bodyPr rtlCol="0" anchor="ctr"/>
+          <a:lstStyle/>
+          <a:p>
+            <a:pPr algn="ctr"/>
+            <a:endParaRPr lang="en-GB"/>
+          </a:p>
+        </p:txBody>
+      </p:sp>
+      <p:sp>
+        <p:nvSpPr>
+          <p:cNvPr id="29" name="TextBox 28">
+            <a:extLst>
+              <a:ext uri="{FF2B5EF4-FFF2-40B4-BE49-F238E27FC236}">
+                <a16:creationId xmlns:a16="http://schemas.microsoft.com/office/drawing/2014/main" id="{25E1C85C-A466-4328-BA7A-3B578ABB6B64}"/>
+              </a:ext>
+            </a:extLst>
+          </p:cNvPr>
+          <p:cNvSpPr txBox="1"/>
+          <p:nvPr/>
+        </p:nvSpPr>
+        <p:spPr>
+          <a:xfrm>
+            <a:off x="2197944" y="1164658"/>
+            <a:ext cx="1976760" cy="369332"/>
+          </a:xfrm>
+          <a:prstGeom prst="rect">
+            <a:avLst/>
+          </a:prstGeom>
+          <a:noFill/>
+        </p:spPr>
+        <p:txBody>
+          <a:bodyPr wrap="none" rtlCol="0">
+            <a:spAutoFit/>
+          </a:bodyPr>
+          <a:lstStyle/>
+          <a:p>
+            <a:r>
+              <a:rPr lang="en-GB" dirty="0">
+                <a:solidFill>
+                  <a:srgbClr val="FF66FF"/>
+                </a:solidFill>
+              </a:rPr>
+              <a:t>For </a:t>
+            </a:r>
+            <a:r>
+              <a:rPr lang="en-GB" dirty="0" err="1">
+                <a:solidFill>
+                  <a:srgbClr val="FF66FF"/>
+                </a:solidFill>
+              </a:rPr>
+              <a:t>i</a:t>
+            </a:r>
+            <a:r>
+              <a:rPr lang="en-GB" dirty="0">
+                <a:solidFill>
+                  <a:srgbClr val="FF66FF"/>
+                </a:solidFill>
+              </a:rPr>
+              <a:t> in rival frames</a:t>
+            </a:r>
+          </a:p>
+        </p:txBody>
+      </p:sp>
+      <p:sp>
+        <p:nvSpPr>
+          <p:cNvPr id="36" name="Rectangle: Rounded Corners 35">
+            <a:extLst>
+              <a:ext uri="{FF2B5EF4-FFF2-40B4-BE49-F238E27FC236}">
+                <a16:creationId xmlns:a16="http://schemas.microsoft.com/office/drawing/2014/main" id="{EC7979F9-E0CC-4BD6-B314-9EF6B07233C4}"/>
+              </a:ext>
+            </a:extLst>
+          </p:cNvPr>
+          <p:cNvSpPr/>
+          <p:nvPr/>
+        </p:nvSpPr>
+        <p:spPr>
+          <a:xfrm>
+            <a:off x="3018798" y="5693342"/>
+            <a:ext cx="2173947" cy="914400"/>
+          </a:xfrm>
+          <a:prstGeom prst="roundRect">
+            <a:avLst/>
+          </a:prstGeom>
+          <a:solidFill>
+            <a:srgbClr val="FF99FF"/>
+          </a:solidFill>
+          <a:ln>
+            <a:solidFill>
+              <a:srgbClr val="FF66FF"/>
+            </a:solidFill>
+          </a:ln>
+        </p:spPr>
+        <p:style>
+          <a:lnRef idx="2">
+            <a:schemeClr val="accent1">
+              <a:shade val="50000"/>
+            </a:schemeClr>
+          </a:lnRef>
+          <a:fillRef idx="1">
+            <a:schemeClr val="accent1"/>
+          </a:fillRef>
+          <a:effectRef idx="0">
+            <a:schemeClr val="accent1"/>
+          </a:effectRef>
+          <a:fontRef idx="minor">
+            <a:schemeClr val="lt1"/>
+          </a:fontRef>
+        </p:style>
+        <p:txBody>
+          <a:bodyPr rtlCol="0" anchor="ctr"/>
+          <a:lstStyle/>
+          <a:p>
+            <a:pPr algn="ctr"/>
+            <a:r>
+              <a:rPr lang="en-GB" dirty="0"/>
+              <a:t>Sensitivity analysis</a:t>
+            </a:r>
+          </a:p>
+        </p:txBody>
+      </p:sp>
+      <p:cxnSp>
+        <p:nvCxnSpPr>
+          <p:cNvPr id="43" name="Straight Arrow Connector 42">
+            <a:extLst>
+              <a:ext uri="{FF2B5EF4-FFF2-40B4-BE49-F238E27FC236}">
+                <a16:creationId xmlns:a16="http://schemas.microsoft.com/office/drawing/2014/main" id="{27329A8A-4C26-409E-8394-123011A73D5D}"/>
+              </a:ext>
+            </a:extLst>
+          </p:cNvPr>
+          <p:cNvCxnSpPr>
+            <a:cxnSpLocks/>
+            <a:stCxn id="4" idx="2"/>
+            <a:endCxn id="36" idx="0"/>
+          </p:cNvCxnSpPr>
+          <p:nvPr/>
+        </p:nvCxnSpPr>
+        <p:spPr>
+          <a:xfrm>
+            <a:off x="4105772" y="5259269"/>
+            <a:ext cx="0" cy="434073"/>
+          </a:xfrm>
+          <a:prstGeom prst="straightConnector1">
+            <a:avLst/>
+          </a:prstGeom>
+          <a:ln>
+            <a:solidFill>
+              <a:srgbClr val="FF66FF"/>
+            </a:solidFill>
+            <a:tailEnd type="triangle"/>
+          </a:ln>
+        </p:spPr>
+        <p:style>
+          <a:lnRef idx="1">
+            <a:schemeClr val="accent1"/>
+          </a:lnRef>
+          <a:fillRef idx="0">
+            <a:schemeClr val="accent1"/>
+          </a:fillRef>
+          <a:effectRef idx="0">
+            <a:schemeClr val="accent1"/>
+          </a:effectRef>
+          <a:fontRef idx="minor">
+            <a:schemeClr val="tx1"/>
+          </a:fontRef>
+        </p:style>
+      </p:cxnSp>
+      <p:sp>
+        <p:nvSpPr>
+          <p:cNvPr id="48" name="TextBox 47">
+            <a:extLst>
+              <a:ext uri="{FF2B5EF4-FFF2-40B4-BE49-F238E27FC236}">
+                <a16:creationId xmlns:a16="http://schemas.microsoft.com/office/drawing/2014/main" id="{05FDEDAB-EFF9-4069-B671-CB2F9B073398}"/>
+              </a:ext>
+            </a:extLst>
+          </p:cNvPr>
+          <p:cNvSpPr txBox="1"/>
+          <p:nvPr/>
+        </p:nvSpPr>
+        <p:spPr>
+          <a:xfrm>
+            <a:off x="4142727" y="2703358"/>
+            <a:ext cx="5280292" cy="369332"/>
+          </a:xfrm>
+          <a:prstGeom prst="rect">
+            <a:avLst/>
+          </a:prstGeom>
+          <a:noFill/>
+        </p:spPr>
+        <p:txBody>
+          <a:bodyPr wrap="none" rtlCol="0">
+            <a:spAutoFit/>
+          </a:bodyPr>
+          <a:lstStyle/>
+          <a:p>
+            <a:r>
+              <a:rPr lang="en-GB" dirty="0"/>
+              <a:t>Analysis: oh when X is value x and Y is value y u fucked</a:t>
+            </a:r>
+          </a:p>
+        </p:txBody>
+      </p:sp>
+      <p:sp>
+        <p:nvSpPr>
+          <p:cNvPr id="50" name="TextBox 49">
+            <a:extLst>
+              <a:ext uri="{FF2B5EF4-FFF2-40B4-BE49-F238E27FC236}">
+                <a16:creationId xmlns:a16="http://schemas.microsoft.com/office/drawing/2014/main" id="{828DABEA-F382-4614-9A1C-9B2D4098F731}"/>
+              </a:ext>
+            </a:extLst>
+          </p:cNvPr>
+          <p:cNvSpPr txBox="1"/>
+          <p:nvPr/>
+        </p:nvSpPr>
+        <p:spPr>
+          <a:xfrm>
+            <a:off x="4088580" y="5263802"/>
+            <a:ext cx="2409762" cy="369332"/>
+          </a:xfrm>
+          <a:prstGeom prst="rect">
+            <a:avLst/>
+          </a:prstGeom>
+          <a:noFill/>
+        </p:spPr>
+        <p:txBody>
+          <a:bodyPr wrap="none" rtlCol="0">
+            <a:spAutoFit/>
+          </a:bodyPr>
+          <a:lstStyle/>
+          <a:p>
+            <a:r>
+              <a:rPr lang="en-GB" dirty="0"/>
+              <a:t>Most promising policies</a:t>
+            </a:r>
+          </a:p>
+        </p:txBody>
+      </p:sp>
+      <p:sp>
+        <p:nvSpPr>
+          <p:cNvPr id="51" name="TextBox 50">
+            <a:extLst>
+              <a:ext uri="{FF2B5EF4-FFF2-40B4-BE49-F238E27FC236}">
+                <a16:creationId xmlns:a16="http://schemas.microsoft.com/office/drawing/2014/main" id="{F70D206F-EDEC-4FD8-AE54-3DF00052494F}"/>
+              </a:ext>
+            </a:extLst>
+          </p:cNvPr>
+          <p:cNvSpPr txBox="1"/>
+          <p:nvPr/>
+        </p:nvSpPr>
+        <p:spPr>
+          <a:xfrm>
+            <a:off x="5159147" y="6380745"/>
+            <a:ext cx="4151457" cy="369332"/>
+          </a:xfrm>
+          <a:prstGeom prst="rect">
+            <a:avLst/>
+          </a:prstGeom>
+          <a:noFill/>
+        </p:spPr>
+        <p:txBody>
+          <a:bodyPr wrap="none" rtlCol="0">
+            <a:spAutoFit/>
+          </a:bodyPr>
+          <a:lstStyle/>
+          <a:p>
+            <a:r>
+              <a:rPr lang="en-GB" dirty="0"/>
+              <a:t>Talking about their robustness + trade-offs</a:t>
+            </a:r>
+          </a:p>
+        </p:txBody>
+      </p:sp>
+      <p:sp>
+        <p:nvSpPr>
+          <p:cNvPr id="52" name="TextBox 51">
+            <a:extLst>
+              <a:ext uri="{FF2B5EF4-FFF2-40B4-BE49-F238E27FC236}">
+                <a16:creationId xmlns:a16="http://schemas.microsoft.com/office/drawing/2014/main" id="{5797449B-FFB3-4AB9-981D-C58DE687CC8C}"/>
+              </a:ext>
+            </a:extLst>
+          </p:cNvPr>
+          <p:cNvSpPr txBox="1"/>
+          <p:nvPr/>
+        </p:nvSpPr>
+        <p:spPr>
+          <a:xfrm>
+            <a:off x="9237674" y="4359403"/>
+            <a:ext cx="2867639" cy="1200329"/>
+          </a:xfrm>
+          <a:prstGeom prst="rect">
+            <a:avLst/>
+          </a:prstGeom>
+          <a:noFill/>
+        </p:spPr>
+        <p:txBody>
+          <a:bodyPr wrap="square" rtlCol="0">
+            <a:spAutoFit/>
+          </a:bodyPr>
+          <a:lstStyle/>
+          <a:p>
+            <a:r>
+              <a:rPr lang="en-GB" dirty="0"/>
+              <a:t>Comparing them and talking about</a:t>
+            </a:r>
+          </a:p>
+          <a:p>
+            <a:r>
+              <a:rPr lang="en-GB" dirty="0"/>
+              <a:t>alliances and trade-offs and compensation</a:t>
+            </a:r>
+          </a:p>
+        </p:txBody>
+      </p:sp>
+      <p:sp>
+        <p:nvSpPr>
+          <p:cNvPr id="57" name="Rectangle: Rounded Corners 56">
+            <a:extLst>
+              <a:ext uri="{FF2B5EF4-FFF2-40B4-BE49-F238E27FC236}">
+                <a16:creationId xmlns:a16="http://schemas.microsoft.com/office/drawing/2014/main" id="{0B4A732C-A3C7-443D-999D-3FDC3D50621F}"/>
+              </a:ext>
+            </a:extLst>
+          </p:cNvPr>
+          <p:cNvSpPr/>
+          <p:nvPr/>
+        </p:nvSpPr>
+        <p:spPr>
+          <a:xfrm>
+            <a:off x="3167440" y="64566"/>
+            <a:ext cx="2173947" cy="914400"/>
+          </a:xfrm>
+          <a:prstGeom prst="roundRect">
+            <a:avLst/>
+          </a:prstGeom>
+          <a:solidFill>
+            <a:srgbClr val="FF99FF"/>
+          </a:solidFill>
+          <a:ln>
+            <a:solidFill>
+              <a:srgbClr val="FF66FF"/>
+            </a:solidFill>
+          </a:ln>
+        </p:spPr>
+        <p:style>
+          <a:lnRef idx="2">
+            <a:schemeClr val="accent1">
+              <a:shade val="50000"/>
+            </a:schemeClr>
+          </a:lnRef>
+          <a:fillRef idx="1">
+            <a:schemeClr val="accent1"/>
+          </a:fillRef>
+          <a:effectRef idx="0">
+            <a:schemeClr val="accent1"/>
+          </a:effectRef>
+          <a:fontRef idx="minor">
+            <a:schemeClr val="lt1"/>
+          </a:fontRef>
+        </p:style>
+        <p:txBody>
+          <a:bodyPr rtlCol="0" anchor="ctr"/>
+          <a:lstStyle/>
+          <a:p>
+            <a:pPr algn="ctr"/>
+            <a:r>
+              <a:rPr lang="en-GB" dirty="0"/>
+              <a:t>Processing scenarios</a:t>
+            </a:r>
+          </a:p>
+        </p:txBody>
+      </p:sp>
+      <p:cxnSp>
+        <p:nvCxnSpPr>
+          <p:cNvPr id="61" name="Straight Arrow Connector 60">
+            <a:extLst>
+              <a:ext uri="{FF2B5EF4-FFF2-40B4-BE49-F238E27FC236}">
+                <a16:creationId xmlns:a16="http://schemas.microsoft.com/office/drawing/2014/main" id="{0CF097C6-95BB-4978-A515-FFCC82937015}"/>
+              </a:ext>
+            </a:extLst>
+          </p:cNvPr>
+          <p:cNvCxnSpPr>
+            <a:cxnSpLocks/>
+            <a:stCxn id="57" idx="2"/>
+            <a:endCxn id="28" idx="0"/>
+          </p:cNvCxnSpPr>
+          <p:nvPr/>
+        </p:nvCxnSpPr>
+        <p:spPr>
+          <a:xfrm>
+            <a:off x="4254414" y="978966"/>
+            <a:ext cx="1" cy="505884"/>
+          </a:xfrm>
+          <a:prstGeom prst="straightConnector1">
+            <a:avLst/>
+          </a:prstGeom>
+          <a:ln>
+            <a:solidFill>
+              <a:srgbClr val="FF66FF"/>
+            </a:solidFill>
+            <a:tailEnd type="triangle"/>
+          </a:ln>
+        </p:spPr>
+        <p:style>
+          <a:lnRef idx="1">
+            <a:schemeClr val="accent1"/>
+          </a:lnRef>
+          <a:fillRef idx="0">
+            <a:schemeClr val="accent1"/>
+          </a:fillRef>
+          <a:effectRef idx="0">
+            <a:schemeClr val="accent1"/>
+          </a:effectRef>
+          <a:fontRef idx="minor">
+            <a:schemeClr val="tx1"/>
+          </a:fontRef>
+        </p:style>
+      </p:cxnSp>
+    </p:spTree>
+    <p:extLst>
+      <p:ext uri="{BB962C8B-B14F-4D97-AF65-F5344CB8AC3E}">
+        <p14:creationId xmlns:p14="http://schemas.microsoft.com/office/powerpoint/2010/main" val="1861725756"/>
+      </p:ext>
+    </p:extLst>
+  </p:cSld>
+  <p:clrMapOvr>
+    <a:masterClrMapping/>
+  </p:clrMapOvr>
+</p:sld>
+</file>
+
 <file path=ppt/theme/theme1.xml><?xml version="1.0" encoding="utf-8"?>
 <a:theme xmlns:a="http://schemas.openxmlformats.org/drawingml/2006/main" name="Office Theme">
   <a:themeElements>

--- a/report/figures/flowchart.pptx
+++ b/report/figures/flowchart.pptx
@@ -264,7 +264,7 @@
           <a:p>
             <a:fld id="{D918C84F-5000-4BD5-98FC-FEF3364E41FE}" type="datetimeFigureOut">
               <a:rPr lang="en-GB" smtClean="0"/>
-              <a:t>04/06/2021</a:t>
+              <a:t>05/06/2021</a:t>
             </a:fld>
             <a:endParaRPr lang="en-GB"/>
           </a:p>
@@ -464,7 +464,7 @@
           <a:p>
             <a:fld id="{D918C84F-5000-4BD5-98FC-FEF3364E41FE}" type="datetimeFigureOut">
               <a:rPr lang="en-GB" smtClean="0"/>
-              <a:t>04/06/2021</a:t>
+              <a:t>05/06/2021</a:t>
             </a:fld>
             <a:endParaRPr lang="en-GB"/>
           </a:p>
@@ -674,7 +674,7 @@
           <a:p>
             <a:fld id="{D918C84F-5000-4BD5-98FC-FEF3364E41FE}" type="datetimeFigureOut">
               <a:rPr lang="en-GB" smtClean="0"/>
-              <a:t>04/06/2021</a:t>
+              <a:t>05/06/2021</a:t>
             </a:fld>
             <a:endParaRPr lang="en-GB"/>
           </a:p>
@@ -874,7 +874,7 @@
           <a:p>
             <a:fld id="{D918C84F-5000-4BD5-98FC-FEF3364E41FE}" type="datetimeFigureOut">
               <a:rPr lang="en-GB" smtClean="0"/>
-              <a:t>04/06/2021</a:t>
+              <a:t>05/06/2021</a:t>
             </a:fld>
             <a:endParaRPr lang="en-GB"/>
           </a:p>
@@ -1150,7 +1150,7 @@
           <a:p>
             <a:fld id="{D918C84F-5000-4BD5-98FC-FEF3364E41FE}" type="datetimeFigureOut">
               <a:rPr lang="en-GB" smtClean="0"/>
-              <a:t>04/06/2021</a:t>
+              <a:t>05/06/2021</a:t>
             </a:fld>
             <a:endParaRPr lang="en-GB"/>
           </a:p>
@@ -1418,7 +1418,7 @@
           <a:p>
             <a:fld id="{D918C84F-5000-4BD5-98FC-FEF3364E41FE}" type="datetimeFigureOut">
               <a:rPr lang="en-GB" smtClean="0"/>
-              <a:t>04/06/2021</a:t>
+              <a:t>05/06/2021</a:t>
             </a:fld>
             <a:endParaRPr lang="en-GB"/>
           </a:p>
@@ -1833,7 +1833,7 @@
           <a:p>
             <a:fld id="{D918C84F-5000-4BD5-98FC-FEF3364E41FE}" type="datetimeFigureOut">
               <a:rPr lang="en-GB" smtClean="0"/>
-              <a:t>04/06/2021</a:t>
+              <a:t>05/06/2021</a:t>
             </a:fld>
             <a:endParaRPr lang="en-GB"/>
           </a:p>
@@ -1975,7 +1975,7 @@
           <a:p>
             <a:fld id="{D918C84F-5000-4BD5-98FC-FEF3364E41FE}" type="datetimeFigureOut">
               <a:rPr lang="en-GB" smtClean="0"/>
-              <a:t>04/06/2021</a:t>
+              <a:t>05/06/2021</a:t>
             </a:fld>
             <a:endParaRPr lang="en-GB"/>
           </a:p>
@@ -2088,7 +2088,7 @@
           <a:p>
             <a:fld id="{D918C84F-5000-4BD5-98FC-FEF3364E41FE}" type="datetimeFigureOut">
               <a:rPr lang="en-GB" smtClean="0"/>
-              <a:t>04/06/2021</a:t>
+              <a:t>05/06/2021</a:t>
             </a:fld>
             <a:endParaRPr lang="en-GB"/>
           </a:p>
@@ -2401,7 +2401,7 @@
           <a:p>
             <a:fld id="{D918C84F-5000-4BD5-98FC-FEF3364E41FE}" type="datetimeFigureOut">
               <a:rPr lang="en-GB" smtClean="0"/>
-              <a:t>04/06/2021</a:t>
+              <a:t>05/06/2021</a:t>
             </a:fld>
             <a:endParaRPr lang="en-GB"/>
           </a:p>
@@ -2690,7 +2690,7 @@
           <a:p>
             <a:fld id="{D918C84F-5000-4BD5-98FC-FEF3364E41FE}" type="datetimeFigureOut">
               <a:rPr lang="en-GB" smtClean="0"/>
-              <a:t>04/06/2021</a:t>
+              <a:t>05/06/2021</a:t>
             </a:fld>
             <a:endParaRPr lang="en-GB"/>
           </a:p>
@@ -2933,7 +2933,7 @@
           <a:p>
             <a:fld id="{D918C84F-5000-4BD5-98FC-FEF3364E41FE}" type="datetimeFigureOut">
               <a:rPr lang="en-GB" smtClean="0"/>
-              <a:t>04/06/2021</a:t>
+              <a:t>05/06/2021</a:t>
             </a:fld>
             <a:endParaRPr lang="en-GB"/>
           </a:p>
@@ -5442,7 +5442,7 @@
         <p:spPr>
           <a:xfrm>
             <a:off x="4142727" y="2703358"/>
-            <a:ext cx="5124736" cy="369332"/>
+            <a:ext cx="7954198" cy="646331"/>
           </a:xfrm>
           <a:prstGeom prst="rect">
             <a:avLst/>
@@ -5450,18 +5450,18 @@
           <a:noFill/>
         </p:spPr>
         <p:txBody>
-          <a:bodyPr wrap="none" rtlCol="0">
+          <a:bodyPr wrap="square" rtlCol="0">
             <a:spAutoFit/>
           </a:bodyPr>
           <a:lstStyle/>
           <a:p>
             <a:r>
               <a:rPr lang="en-GB" dirty="0"/>
-              <a:t>Subset of most-likely scenarios worst for rival frame </a:t>
-            </a:r>
-            <a:r>
-              <a:rPr lang="en-GB" dirty="0" err="1"/>
-              <a:t>i</a:t>
+              <a:t>Subset of most-likely scenarios worst for rival frame I which will make out 80% and the inverse volume will make out 20% of </a:t>
+            </a:r>
+            <a:r>
+              <a:rPr lang="en-GB"/>
+              <a:t>the scenarios</a:t>
             </a:r>
             <a:endParaRPr lang="en-GB" dirty="0"/>
           </a:p>
@@ -5903,7 +5903,7 @@
         </p:nvSpPr>
         <p:spPr>
           <a:xfrm>
-            <a:off x="3018800" y="1805044"/>
+            <a:off x="3018796" y="1740274"/>
             <a:ext cx="2173947" cy="914400"/>
           </a:xfrm>
           <a:prstGeom prst="roundRect">
@@ -6123,9 +6123,9 @@
           <p:nvPr/>
         </p:nvCxnSpPr>
         <p:spPr>
-          <a:xfrm flipH="1">
-            <a:off x="4105771" y="2719444"/>
-            <a:ext cx="3" cy="357610"/>
+          <a:xfrm>
+            <a:off x="4105770" y="2654674"/>
+            <a:ext cx="1" cy="422380"/>
           </a:xfrm>
           <a:prstGeom prst="straightConnector1">
             <a:avLst/>

--- a/report/figures/flowchart.pptx
+++ b/report/figures/flowchart.pptx
@@ -4728,7 +4728,7 @@
         </p:nvSpPr>
         <p:spPr>
           <a:xfrm>
-            <a:off x="3018798" y="4344869"/>
+            <a:off x="5990754" y="3320191"/>
             <a:ext cx="2173947" cy="914400"/>
           </a:xfrm>
           <a:prstGeom prst="roundRect">
@@ -4785,7 +4785,7 @@
         </p:nvSpPr>
         <p:spPr>
           <a:xfrm>
-            <a:off x="6757430" y="52572"/>
+            <a:off x="6091676" y="611265"/>
             <a:ext cx="2173947" cy="914400"/>
           </a:xfrm>
           <a:prstGeom prst="roundRect">
@@ -4899,7 +4899,7 @@
         </p:nvSpPr>
         <p:spPr>
           <a:xfrm>
-            <a:off x="3018797" y="3077054"/>
+            <a:off x="5996904" y="1816077"/>
             <a:ext cx="2173947" cy="914400"/>
           </a:xfrm>
           <a:prstGeom prst="roundRect">
@@ -4956,7 +4956,7 @@
         </p:nvSpPr>
         <p:spPr>
           <a:xfrm>
-            <a:off x="7063728" y="4726019"/>
+            <a:off x="4216065" y="5215511"/>
             <a:ext cx="2173947" cy="914400"/>
           </a:xfrm>
           <a:prstGeom prst="roundRect">
@@ -5017,8 +5017,8 @@
         </p:nvCxnSpPr>
         <p:spPr>
           <a:xfrm flipH="1">
-            <a:off x="5341387" y="509772"/>
-            <a:ext cx="1416043" cy="11994"/>
+            <a:off x="5204726" y="1068465"/>
+            <a:ext cx="886950" cy="0"/>
           </a:xfrm>
           <a:prstGeom prst="straightConnector1">
             <a:avLst/>
@@ -5056,15 +5056,15 @@
           </p:cNvPr>
           <p:cNvCxnSpPr>
             <a:cxnSpLocks/>
-            <a:stCxn id="7" idx="2"/>
-            <a:endCxn id="9" idx="0"/>
+            <a:stCxn id="7" idx="3"/>
+            <a:endCxn id="9" idx="1"/>
           </p:cNvCxnSpPr>
           <p:nvPr/>
         </p:nvCxnSpPr>
         <p:spPr>
-          <a:xfrm flipH="1">
-            <a:off x="4105771" y="2719444"/>
-            <a:ext cx="3" cy="357610"/>
+          <a:xfrm>
+            <a:off x="5192747" y="2262244"/>
+            <a:ext cx="804157" cy="11033"/>
           </a:xfrm>
           <a:prstGeom prst="straightConnector1">
             <a:avLst/>
@@ -5108,9 +5108,9 @@
           <p:nvPr/>
         </p:nvCxnSpPr>
         <p:spPr>
-          <a:xfrm>
-            <a:off x="4105771" y="3991454"/>
-            <a:ext cx="1" cy="353415"/>
+          <a:xfrm flipH="1">
+            <a:off x="7077728" y="2730477"/>
+            <a:ext cx="6150" cy="589714"/>
           </a:xfrm>
           <a:prstGeom prst="straightConnector1">
             <a:avLst/>
@@ -5148,14 +5148,15 @@
           </p:cNvPr>
           <p:cNvCxnSpPr>
             <a:cxnSpLocks/>
-            <a:endCxn id="10" idx="1"/>
+            <a:stCxn id="28" idx="2"/>
+            <a:endCxn id="10" idx="0"/>
           </p:cNvCxnSpPr>
           <p:nvPr/>
         </p:nvCxnSpPr>
         <p:spPr>
-          <a:xfrm flipV="1">
-            <a:off x="6451132" y="5183219"/>
-            <a:ext cx="612596" cy="11075"/>
+          <a:xfrm flipH="1">
+            <a:off x="5303039" y="4625797"/>
+            <a:ext cx="1" cy="589714"/>
           </a:xfrm>
           <a:prstGeom prst="straightConnector1">
             <a:avLst/>
@@ -5196,8 +5197,8 @@
         </p:nvSpPr>
         <p:spPr>
           <a:xfrm>
-            <a:off x="2057697" y="1484850"/>
-            <a:ext cx="4393435" cy="5235123"/>
+            <a:off x="2057697" y="0"/>
+            <a:ext cx="6490685" cy="4625797"/>
           </a:xfrm>
           <a:prstGeom prst="roundRect">
             <a:avLst/>
@@ -5248,7 +5249,7 @@
         </p:nvSpPr>
         <p:spPr>
           <a:xfrm>
-            <a:off x="2197944" y="1164658"/>
+            <a:off x="2655957" y="-10423"/>
             <a:ext cx="1976760" cy="369332"/>
           </a:xfrm>
           <a:prstGeom prst="rect">
@@ -5303,7 +5304,7 @@
         </p:nvSpPr>
         <p:spPr>
           <a:xfrm>
-            <a:off x="3018798" y="5693342"/>
+            <a:off x="2940327" y="3331665"/>
             <a:ext cx="2173947" cy="914400"/>
           </a:xfrm>
           <a:prstGeom prst="roundRect">
@@ -5357,15 +5358,15 @@
           </p:cNvPr>
           <p:cNvCxnSpPr>
             <a:cxnSpLocks/>
-            <a:stCxn id="4" idx="2"/>
-            <a:endCxn id="36" idx="0"/>
+            <a:stCxn id="4" idx="1"/>
+            <a:endCxn id="36" idx="3"/>
           </p:cNvCxnSpPr>
           <p:nvPr/>
         </p:nvCxnSpPr>
         <p:spPr>
-          <a:xfrm>
-            <a:off x="4105772" y="5259269"/>
-            <a:ext cx="0" cy="434073"/>
+          <a:xfrm flipH="1">
+            <a:off x="5114274" y="3777391"/>
+            <a:ext cx="876480" cy="11474"/>
           </a:xfrm>
           <a:prstGeom prst="straightConnector1">
             <a:avLst/>
@@ -5406,7 +5407,7 @@
         </p:nvSpPr>
         <p:spPr>
           <a:xfrm>
-            <a:off x="5434571" y="578589"/>
+            <a:off x="5061531" y="452331"/>
             <a:ext cx="3358420" cy="369332"/>
           </a:xfrm>
           <a:prstGeom prst="rect">
@@ -5441,7 +5442,7 @@
         </p:nvSpPr>
         <p:spPr>
           <a:xfrm>
-            <a:off x="4142727" y="2703358"/>
+            <a:off x="3270272" y="1585873"/>
             <a:ext cx="7954198" cy="646331"/>
           </a:xfrm>
           <a:prstGeom prst="rect">
@@ -5457,13 +5458,8 @@
           <a:p>
             <a:r>
               <a:rPr lang="en-GB" dirty="0"/>
-              <a:t>Subset of most-likely scenarios worst for rival frame I which will make out 80% and the inverse volume will make out 20% of </a:t>
-            </a:r>
-            <a:r>
-              <a:rPr lang="en-GB"/>
-              <a:t>the scenarios</a:t>
-            </a:r>
-            <a:endParaRPr lang="en-GB" dirty="0"/>
+              <a:t>Subset of most-likely scenarios worst for rival frame I which will make out 80% and the inverse volume will make out 20% of the scenarios</a:t>
+            </a:r>
           </a:p>
         </p:txBody>
       </p:sp>
@@ -5481,7 +5477,7 @@
         </p:nvSpPr>
         <p:spPr>
           <a:xfrm>
-            <a:off x="4088579" y="3961576"/>
+            <a:off x="5993221" y="2786977"/>
             <a:ext cx="3466718" cy="369332"/>
           </a:xfrm>
           <a:prstGeom prst="rect">
@@ -5516,7 +5512,7 @@
         </p:nvSpPr>
         <p:spPr>
           <a:xfrm>
-            <a:off x="4088580" y="5263802"/>
+            <a:off x="5089025" y="3788424"/>
             <a:ext cx="1485087" cy="369332"/>
           </a:xfrm>
           <a:prstGeom prst="rect">
@@ -5551,7 +5547,7 @@
         </p:nvSpPr>
         <p:spPr>
           <a:xfrm>
-            <a:off x="5159147" y="6380745"/>
+            <a:off x="2231865" y="4173760"/>
             <a:ext cx="3081806" cy="369332"/>
           </a:xfrm>
           <a:prstGeom prst="rect">
@@ -5586,7 +5582,7 @@
         </p:nvSpPr>
         <p:spPr>
           <a:xfrm>
-            <a:off x="8854924" y="4359403"/>
+            <a:off x="6508509" y="5215511"/>
             <a:ext cx="1762021" cy="369332"/>
           </a:xfrm>
           <a:prstGeom prst="rect">
@@ -5621,7 +5617,7 @@
         </p:nvSpPr>
         <p:spPr>
           <a:xfrm>
-            <a:off x="3167440" y="64566"/>
+            <a:off x="3030779" y="611265"/>
             <a:ext cx="2173947" cy="914400"/>
           </a:xfrm>
           <a:prstGeom prst="roundRect">
@@ -5676,14 +5672,14 @@
           <p:cNvCxnSpPr>
             <a:cxnSpLocks/>
             <a:stCxn id="57" idx="2"/>
-            <a:endCxn id="28" idx="0"/>
+            <a:endCxn id="7" idx="0"/>
           </p:cNvCxnSpPr>
           <p:nvPr/>
         </p:nvCxnSpPr>
         <p:spPr>
-          <a:xfrm>
-            <a:off x="4254414" y="978966"/>
-            <a:ext cx="1" cy="505884"/>
+          <a:xfrm flipH="1">
+            <a:off x="4105774" y="1525665"/>
+            <a:ext cx="11979" cy="279379"/>
           </a:xfrm>
           <a:prstGeom prst="straightConnector1">
             <a:avLst/>
@@ -5724,7 +5720,7 @@
         </p:nvSpPr>
         <p:spPr>
           <a:xfrm>
-            <a:off x="4416790" y="1115518"/>
+            <a:off x="-969315" y="1057433"/>
             <a:ext cx="6946069" cy="369332"/>
           </a:xfrm>
           <a:prstGeom prst="rect">
